--- a/Reports/졸과 포스터 0.0.4.pptx
+++ b/Reports/졸과 포스터 0.0.4.pptx
@@ -282,7 +282,7 @@
           <a:p>
             <a:fld id="{26368C2B-BE6A-4123-B1EB-3B148078ED94}" type="datetimeFigureOut">
               <a:rPr lang="ko-KR" altLang="en-US" smtClean="0"/>
-              <a:t>2020-09-08</a:t>
+              <a:t>2020-09-11</a:t>
             </a:fld>
             <a:endParaRPr lang="ko-KR" altLang="en-US"/>
           </a:p>
@@ -452,7 +452,7 @@
           <a:p>
             <a:fld id="{26368C2B-BE6A-4123-B1EB-3B148078ED94}" type="datetimeFigureOut">
               <a:rPr lang="ko-KR" altLang="en-US" smtClean="0"/>
-              <a:t>2020-09-08</a:t>
+              <a:t>2020-09-11</a:t>
             </a:fld>
             <a:endParaRPr lang="ko-KR" altLang="en-US"/>
           </a:p>
@@ -632,7 +632,7 @@
           <a:p>
             <a:fld id="{26368C2B-BE6A-4123-B1EB-3B148078ED94}" type="datetimeFigureOut">
               <a:rPr lang="ko-KR" altLang="en-US" smtClean="0"/>
-              <a:t>2020-09-08</a:t>
+              <a:t>2020-09-11</a:t>
             </a:fld>
             <a:endParaRPr lang="ko-KR" altLang="en-US"/>
           </a:p>
@@ -802,7 +802,7 @@
           <a:p>
             <a:fld id="{26368C2B-BE6A-4123-B1EB-3B148078ED94}" type="datetimeFigureOut">
               <a:rPr lang="ko-KR" altLang="en-US" smtClean="0"/>
-              <a:t>2020-09-08</a:t>
+              <a:t>2020-09-11</a:t>
             </a:fld>
             <a:endParaRPr lang="ko-KR" altLang="en-US"/>
           </a:p>
@@ -1046,7 +1046,7 @@
           <a:p>
             <a:fld id="{26368C2B-BE6A-4123-B1EB-3B148078ED94}" type="datetimeFigureOut">
               <a:rPr lang="ko-KR" altLang="en-US" smtClean="0"/>
-              <a:t>2020-09-08</a:t>
+              <a:t>2020-09-11</a:t>
             </a:fld>
             <a:endParaRPr lang="ko-KR" altLang="en-US"/>
           </a:p>
@@ -1278,7 +1278,7 @@
           <a:p>
             <a:fld id="{26368C2B-BE6A-4123-B1EB-3B148078ED94}" type="datetimeFigureOut">
               <a:rPr lang="ko-KR" altLang="en-US" smtClean="0"/>
-              <a:t>2020-09-08</a:t>
+              <a:t>2020-09-11</a:t>
             </a:fld>
             <a:endParaRPr lang="ko-KR" altLang="en-US"/>
           </a:p>
@@ -1645,7 +1645,7 @@
           <a:p>
             <a:fld id="{26368C2B-BE6A-4123-B1EB-3B148078ED94}" type="datetimeFigureOut">
               <a:rPr lang="ko-KR" altLang="en-US" smtClean="0"/>
-              <a:t>2020-09-08</a:t>
+              <a:t>2020-09-11</a:t>
             </a:fld>
             <a:endParaRPr lang="ko-KR" altLang="en-US"/>
           </a:p>
@@ -1763,7 +1763,7 @@
           <a:p>
             <a:fld id="{26368C2B-BE6A-4123-B1EB-3B148078ED94}" type="datetimeFigureOut">
               <a:rPr lang="ko-KR" altLang="en-US" smtClean="0"/>
-              <a:t>2020-09-08</a:t>
+              <a:t>2020-09-11</a:t>
             </a:fld>
             <a:endParaRPr lang="ko-KR" altLang="en-US"/>
           </a:p>
@@ -1858,7 +1858,7 @@
           <a:p>
             <a:fld id="{26368C2B-BE6A-4123-B1EB-3B148078ED94}" type="datetimeFigureOut">
               <a:rPr lang="ko-KR" altLang="en-US" smtClean="0"/>
-              <a:t>2020-09-08</a:t>
+              <a:t>2020-09-11</a:t>
             </a:fld>
             <a:endParaRPr lang="ko-KR" altLang="en-US"/>
           </a:p>
@@ -2135,7 +2135,7 @@
           <a:p>
             <a:fld id="{26368C2B-BE6A-4123-B1EB-3B148078ED94}" type="datetimeFigureOut">
               <a:rPr lang="ko-KR" altLang="en-US" smtClean="0"/>
-              <a:t>2020-09-08</a:t>
+              <a:t>2020-09-11</a:t>
             </a:fld>
             <a:endParaRPr lang="ko-KR" altLang="en-US"/>
           </a:p>
@@ -2392,7 +2392,7 @@
           <a:p>
             <a:fld id="{26368C2B-BE6A-4123-B1EB-3B148078ED94}" type="datetimeFigureOut">
               <a:rPr lang="ko-KR" altLang="en-US" smtClean="0"/>
-              <a:t>2020-09-08</a:t>
+              <a:t>2020-09-11</a:t>
             </a:fld>
             <a:endParaRPr lang="ko-KR" altLang="en-US"/>
           </a:p>
@@ -2605,7 +2605,7 @@
           <a:p>
             <a:fld id="{26368C2B-BE6A-4123-B1EB-3B148078ED94}" type="datetimeFigureOut">
               <a:rPr lang="ko-KR" altLang="en-US" smtClean="0"/>
-              <a:t>2020-09-08</a:t>
+              <a:t>2020-09-11</a:t>
             </a:fld>
             <a:endParaRPr lang="ko-KR" altLang="en-US"/>
           </a:p>
@@ -3012,6 +3012,77 @@
       </p:grpSpPr>
       <p:pic>
         <p:nvPicPr>
+          <p:cNvPr id="14" name="그림 13" descr="컴퓨터, 앉아있는, 젊은이(가) 표시된 사진&#10;&#10;자동 생성된 설명">
+            <a:extLst>
+              <a:ext uri="{FF2B5EF4-FFF2-40B4-BE49-F238E27FC236}">
+                <a16:creationId xmlns:a16="http://schemas.microsoft.com/office/drawing/2014/main" id="{8584B1B6-4AEE-4DE5-B523-BC0D7C2943B1}"/>
+              </a:ext>
+            </a:extLst>
+          </p:cNvPr>
+          <p:cNvPicPr>
+            <a:picLocks noChangeAspect="1"/>
+          </p:cNvPicPr>
+          <p:nvPr/>
+        </p:nvPicPr>
+        <p:blipFill>
+          <a:blip r:embed="rId2" cstate="print">
+            <a:extLst>
+              <a:ext uri="{28A0092B-C50C-407E-A947-70E740481C1C}">
+                <a14:useLocalDpi xmlns:a14="http://schemas.microsoft.com/office/drawing/2010/main" val="0"/>
+              </a:ext>
+            </a:extLst>
+          </a:blip>
+          <a:stretch>
+            <a:fillRect/>
+          </a:stretch>
+        </p:blipFill>
+        <p:spPr>
+          <a:xfrm>
+            <a:off x="727669" y="19343291"/>
+            <a:ext cx="5758863" cy="3240598"/>
+          </a:xfrm>
+          <a:prstGeom prst="rect">
+            <a:avLst/>
+          </a:prstGeom>
+        </p:spPr>
+      </p:pic>
+      <p:pic>
+        <p:nvPicPr>
+          <p:cNvPr id="23" name="그림 22" descr="실내, 테이블, 컴퓨터, 키보드이(가) 표시된 사진&#10;&#10;자동 생성된 설명">
+            <a:extLst>
+              <a:ext uri="{FF2B5EF4-FFF2-40B4-BE49-F238E27FC236}">
+                <a16:creationId xmlns:a16="http://schemas.microsoft.com/office/drawing/2014/main" id="{35B1539A-5E63-42E9-9E04-7B68115906F0}"/>
+              </a:ext>
+            </a:extLst>
+          </p:cNvPr>
+          <p:cNvPicPr>
+            <a:picLocks noChangeAspect="1"/>
+          </p:cNvPicPr>
+          <p:nvPr/>
+        </p:nvPicPr>
+        <p:blipFill rotWithShape="1">
+          <a:blip r:embed="rId3" cstate="print">
+            <a:extLst>
+              <a:ext uri="{28A0092B-C50C-407E-A947-70E740481C1C}">
+                <a14:useLocalDpi xmlns:a14="http://schemas.microsoft.com/office/drawing/2010/main" val="0"/>
+              </a:ext>
+            </a:extLst>
+          </a:blip>
+          <a:srcRect l="4133" t="16293" r="193" b="654"/>
+          <a:stretch/>
+        </p:blipFill>
+        <p:spPr>
+          <a:xfrm>
+            <a:off x="727013" y="12282968"/>
+            <a:ext cx="5246833" cy="2563047"/>
+          </a:xfrm>
+          <a:prstGeom prst="rect">
+            <a:avLst/>
+          </a:prstGeom>
+        </p:spPr>
+      </p:pic>
+      <p:pic>
+        <p:nvPicPr>
           <p:cNvPr id="165" name="내용 개체 틀 4">
             <a:extLst>
               <a:ext uri="{FF2B5EF4-FFF2-40B4-BE49-F238E27FC236}">
@@ -3025,7 +3096,7 @@
           <p:nvPr/>
         </p:nvPicPr>
         <p:blipFill>
-          <a:blip r:embed="rId2"/>
+          <a:blip r:embed="rId4"/>
           <a:stretch>
             <a:fillRect/>
           </a:stretch>
@@ -3349,7 +3420,7 @@
               <p:nvPr/>
             </p:nvPicPr>
             <p:blipFill>
-              <a:blip r:embed="rId3" cstate="print">
+              <a:blip r:embed="rId5" cstate="print">
                 <a:extLst>
                   <a:ext uri="{28A0092B-C50C-407E-A947-70E740481C1C}">
                     <a14:useLocalDpi xmlns:a14="http://schemas.microsoft.com/office/drawing/2010/main" val="0"/>
@@ -3432,7 +3503,7 @@
             <p:nvPr/>
           </p:nvPicPr>
           <p:blipFill>
-            <a:blip r:embed="rId4">
+            <a:blip r:embed="rId6">
               <a:extLst>
                 <a:ext uri="{28A0092B-C50C-407E-A947-70E740481C1C}">
                   <a14:useLocalDpi xmlns:a14="http://schemas.microsoft.com/office/drawing/2010/main" val="0"/>
@@ -3750,7 +3821,7 @@
         </p:nvGrpSpPr>
         <p:grpSpPr>
           <a:xfrm>
-            <a:off x="0" y="12608902"/>
+            <a:off x="-9732" y="10620827"/>
             <a:ext cx="21383625" cy="902160"/>
             <a:chOff x="40241" y="13142714"/>
             <a:chExt cx="21383625" cy="902160"/>
@@ -3765,7 +3836,7 @@
             <p:nvPr/>
           </p:nvPicPr>
           <p:blipFill>
-            <a:blip r:embed="rId5">
+            <a:blip r:embed="rId7">
               <a:extLst>
                 <a:ext uri="{28A0092B-C50C-407E-A947-70E740481C1C}">
                   <a14:useLocalDpi xmlns:a14="http://schemas.microsoft.com/office/drawing/2010/main" val="0"/>
@@ -3843,7 +3914,7 @@
             <p:nvPr/>
           </p:nvPicPr>
           <p:blipFill>
-            <a:blip r:embed="rId5">
+            <a:blip r:embed="rId7">
               <a:extLst>
                 <a:ext uri="{28A0092B-C50C-407E-A947-70E740481C1C}">
                   <a14:useLocalDpi xmlns:a14="http://schemas.microsoft.com/office/drawing/2010/main" val="0"/>
@@ -3907,7 +3978,7 @@
           <p:nvPr/>
         </p:nvPicPr>
         <p:blipFill>
-          <a:blip r:embed="rId6">
+          <a:blip r:embed="rId8">
             <a:extLst>
               <a:ext uri="{28A0092B-C50C-407E-A947-70E740481C1C}">
                 <a14:useLocalDpi xmlns:a14="http://schemas.microsoft.com/office/drawing/2010/main" val="0"/>
@@ -3942,7 +4013,7 @@
         </p:nvSpPr>
         <p:spPr>
           <a:xfrm>
-            <a:off x="847323" y="6043550"/>
+            <a:off x="717212" y="6044950"/>
             <a:ext cx="7391400" cy="584775"/>
           </a:xfrm>
           <a:prstGeom prst="rect">
@@ -3987,8 +4058,8 @@
         </p:nvSpPr>
         <p:spPr>
           <a:xfrm>
-            <a:off x="813454" y="6625277"/>
-            <a:ext cx="19363509" cy="1815882"/>
+            <a:off x="844983" y="6609831"/>
+            <a:ext cx="19363509" cy="954107"/>
           </a:xfrm>
           <a:prstGeom prst="rect">
             <a:avLst/>
@@ -4027,62 +4098,7 @@
                 <a:latin typeface="나눔스퀘어 Bold" panose="020B0600000101010101" pitchFamily="50" charset="-127"/>
                 <a:ea typeface="나눔스퀘어 Bold" panose="020B0600000101010101" pitchFamily="50" charset="-127"/>
               </a:rPr>
-              <a:t>교통사고</a:t>
-            </a:r>
-            <a:r>
-              <a:rPr lang="en-US" altLang="ko-KR" sz="2800" dirty="0">
-                <a:latin typeface="나눔스퀘어 Bold" panose="020B0600000101010101" pitchFamily="50" charset="-127"/>
-                <a:ea typeface="나눔스퀘어 Bold" panose="020B0600000101010101" pitchFamily="50" charset="-127"/>
-              </a:rPr>
-              <a:t>, </a:t>
-            </a:r>
-            <a:r>
-              <a:rPr lang="ko-KR" altLang="en-US" sz="2800" dirty="0">
-                <a:latin typeface="나눔스퀘어 Bold" panose="020B0600000101010101" pitchFamily="50" charset="-127"/>
-                <a:ea typeface="나눔스퀘어 Bold" panose="020B0600000101010101" pitchFamily="50" charset="-127"/>
-              </a:rPr>
-              <a:t>차량 점검 등의 상황에서 차량의 상태를 정확하게 알아야 할 필요성 증가</a:t>
-            </a:r>
-            <a:endParaRPr lang="en-US" altLang="ko-KR" sz="2800" dirty="0">
-              <a:latin typeface="나눔스퀘어 Bold" panose="020B0600000101010101" pitchFamily="50" charset="-127"/>
-              <a:ea typeface="나눔스퀘어 Bold" panose="020B0600000101010101" pitchFamily="50" charset="-127"/>
-            </a:endParaRPr>
-          </a:p>
-          <a:p>
-            <a:pPr marL="342900" indent="-342900">
-              <a:buFontTx/>
-              <a:buChar char="-"/>
-            </a:pPr>
-            <a:r>
-              <a:rPr lang="ko-KR" altLang="en-US" sz="2800" dirty="0">
-                <a:latin typeface="나눔스퀘어 Bold" panose="020B0600000101010101" pitchFamily="50" charset="-127"/>
-                <a:ea typeface="나눔스퀘어 Bold" panose="020B0600000101010101" pitchFamily="50" charset="-127"/>
-              </a:rPr>
               <a:t>차량 운행 시에 센서데이터를 모은다면 차량의 상태를 예측할 수 있음</a:t>
-            </a:r>
-            <a:endParaRPr lang="en-US" altLang="ko-KR" sz="2800" dirty="0">
-              <a:latin typeface="나눔스퀘어 Bold" panose="020B0600000101010101" pitchFamily="50" charset="-127"/>
-              <a:ea typeface="나눔스퀘어 Bold" panose="020B0600000101010101" pitchFamily="50" charset="-127"/>
-            </a:endParaRPr>
-          </a:p>
-          <a:p>
-            <a:pPr marL="342900" indent="-342900">
-              <a:buFontTx/>
-              <a:buChar char="-"/>
-            </a:pPr>
-            <a:r>
-              <a:rPr lang="en-US" altLang="ko-KR" sz="2800" dirty="0">
-                <a:latin typeface="나눔스퀘어 Bold" panose="020B0600000101010101" pitchFamily="50" charset="-127"/>
-                <a:ea typeface="나눔스퀘어 Bold" panose="020B0600000101010101" pitchFamily="50" charset="-127"/>
-              </a:rPr>
-              <a:t>Sim2Real</a:t>
-            </a:r>
-            <a:r>
-              <a:rPr lang="ko-KR" altLang="en-US" sz="2800" dirty="0">
-                <a:latin typeface="나눔스퀘어 Bold" panose="020B0600000101010101" pitchFamily="50" charset="-127"/>
-                <a:ea typeface="나눔스퀘어 Bold" panose="020B0600000101010101" pitchFamily="50" charset="-127"/>
-              </a:rPr>
-              <a:t>을 응용하면 실제 차량이 아닌 시뮬레이션의 차량으로도 비슷한 데이터를 모아 적용시킬 수 있음</a:t>
             </a:r>
           </a:p>
         </p:txBody>
@@ -4101,7 +4117,7 @@
         </p:nvSpPr>
         <p:spPr>
           <a:xfrm>
-            <a:off x="847321" y="11050949"/>
+            <a:off x="722746" y="9135178"/>
             <a:ext cx="7391400" cy="584775"/>
           </a:xfrm>
           <a:prstGeom prst="rect">
@@ -4146,7 +4162,7 @@
         </p:nvSpPr>
         <p:spPr>
           <a:xfrm>
-            <a:off x="847318" y="11612482"/>
+            <a:off x="883920" y="9685833"/>
             <a:ext cx="19363509" cy="954107"/>
           </a:xfrm>
           <a:prstGeom prst="rect">
@@ -4371,7 +4387,7 @@
         </p:nvSpPr>
         <p:spPr>
           <a:xfrm>
-            <a:off x="883920" y="16771838"/>
+            <a:off x="716698" y="14991870"/>
             <a:ext cx="7391400" cy="584775"/>
           </a:xfrm>
           <a:prstGeom prst="rect">
@@ -4556,21 +4572,7 @@
                 <a:latin typeface="나눔스퀘어 Bold" panose="020B0600000101010101" pitchFamily="50" charset="-127"/>
                 <a:ea typeface="나눔스퀘어 Bold" panose="020B0600000101010101" pitchFamily="50" charset="-127"/>
               </a:rPr>
-              <a:t>기반 </a:t>
-            </a:r>
-            <a:r>
-              <a:rPr lang="ko-KR" altLang="en-US" sz="2800" dirty="0" err="1">
-                <a:latin typeface="나눔스퀘어 Bold" panose="020B0600000101010101" pitchFamily="50" charset="-127"/>
-                <a:ea typeface="나눔스퀘어 Bold" panose="020B0600000101010101" pitchFamily="50" charset="-127"/>
-              </a:rPr>
-              <a:t>머신러닝</a:t>
-            </a:r>
-            <a:r>
-              <a:rPr lang="ko-KR" altLang="en-US" sz="2800" dirty="0">
-                <a:latin typeface="나눔스퀘어 Bold" panose="020B0600000101010101" pitchFamily="50" charset="-127"/>
-                <a:ea typeface="나눔스퀘어 Bold" panose="020B0600000101010101" pitchFamily="50" charset="-127"/>
-              </a:rPr>
-              <a:t> 모델에 학습</a:t>
+              <a:t>기반 딥러닝 모델에 학습</a:t>
             </a:r>
             <a:endParaRPr lang="en-US" altLang="ko-KR" sz="2800" dirty="0">
               <a:latin typeface="나눔스퀘어 Bold" panose="020B0600000101010101" pitchFamily="50" charset="-127"/>
@@ -4634,353 +4636,194 @@
           </a:p>
         </p:txBody>
       </p:sp>
-      <p:grpSp>
-        <p:nvGrpSpPr>
-          <p:cNvPr id="40" name="그룹 39">
+      <p:pic>
+        <p:nvPicPr>
+          <p:cNvPr id="35" name="그림 34" descr="그리기이(가) 표시된 사진&#10;&#10;자동 생성된 설명">
             <a:extLst>
               <a:ext uri="{FF2B5EF4-FFF2-40B4-BE49-F238E27FC236}">
-                <a16:creationId xmlns:a16="http://schemas.microsoft.com/office/drawing/2014/main" id="{05EB1C4D-8E77-48D6-B1FE-F014286B6C8A}"/>
+                <a16:creationId xmlns:a16="http://schemas.microsoft.com/office/drawing/2014/main" id="{371C41AD-54C9-4079-8431-7F49A3B76FA9}"/>
               </a:ext>
             </a:extLst>
           </p:cNvPr>
-          <p:cNvGrpSpPr/>
+          <p:cNvPicPr>
+            <a:picLocks noChangeAspect="1"/>
+          </p:cNvPicPr>
           <p:nvPr/>
-        </p:nvGrpSpPr>
-        <p:grpSpPr>
-          <a:xfrm>
-            <a:off x="1111661" y="13897607"/>
-            <a:ext cx="19557177" cy="2883668"/>
-            <a:chOff x="1111661" y="21340340"/>
-            <a:chExt cx="19557177" cy="2883668"/>
-          </a:xfrm>
-        </p:grpSpPr>
-        <p:grpSp>
-          <p:nvGrpSpPr>
-            <p:cNvPr id="39" name="그룹 38">
-              <a:extLst>
-                <a:ext uri="{FF2B5EF4-FFF2-40B4-BE49-F238E27FC236}">
-                  <a16:creationId xmlns:a16="http://schemas.microsoft.com/office/drawing/2014/main" id="{94F1A4CF-BD0B-43C5-96BD-3D10D1F0D846}"/>
-                </a:ext>
-              </a:extLst>
-            </p:cNvPr>
-            <p:cNvGrpSpPr/>
-            <p:nvPr/>
-          </p:nvGrpSpPr>
-          <p:grpSpPr>
-            <a:xfrm>
-              <a:off x="1111661" y="21340340"/>
-              <a:ext cx="19557177" cy="2883668"/>
-              <a:chOff x="1046162" y="10433918"/>
-              <a:chExt cx="19557177" cy="2883668"/>
-            </a:xfrm>
-          </p:grpSpPr>
-          <p:pic>
-            <p:nvPicPr>
-              <p:cNvPr id="35" name="그림 34" descr="그리기이(가) 표시된 사진&#10;&#10;자동 생성된 설명">
-                <a:extLst>
-                  <a:ext uri="{FF2B5EF4-FFF2-40B4-BE49-F238E27FC236}">
-                    <a16:creationId xmlns:a16="http://schemas.microsoft.com/office/drawing/2014/main" id="{371C41AD-54C9-4079-8431-7F49A3B76FA9}"/>
-                  </a:ext>
-                </a:extLst>
-              </p:cNvPr>
-              <p:cNvPicPr>
-                <a:picLocks noChangeAspect="1"/>
-              </p:cNvPicPr>
-              <p:nvPr/>
-            </p:nvPicPr>
-            <p:blipFill>
-              <a:blip r:embed="rId7">
-                <a:extLst>
-                  <a:ext uri="{28A0092B-C50C-407E-A947-70E740481C1C}">
-                    <a14:useLocalDpi xmlns:a14="http://schemas.microsoft.com/office/drawing/2010/main" val="0"/>
-                  </a:ext>
-                </a:extLst>
-              </a:blip>
-              <a:stretch>
-                <a:fillRect/>
-              </a:stretch>
-            </p:blipFill>
-            <p:spPr>
-              <a:xfrm>
-                <a:off x="6217457" y="12079336"/>
-                <a:ext cx="3695700" cy="1238250"/>
-              </a:xfrm>
-              <a:prstGeom prst="rect">
-                <a:avLst/>
-              </a:prstGeom>
-            </p:spPr>
-          </p:pic>
-          <p:pic>
-            <p:nvPicPr>
-              <p:cNvPr id="203" name="그림 202">
-                <a:extLst>
-                  <a:ext uri="{FF2B5EF4-FFF2-40B4-BE49-F238E27FC236}">
-                    <a16:creationId xmlns:a16="http://schemas.microsoft.com/office/drawing/2014/main" id="{3311578B-D934-4963-949C-815C606B78E2}"/>
-                  </a:ext>
-                </a:extLst>
-              </p:cNvPr>
-              <p:cNvPicPr>
-                <a:picLocks noChangeAspect="1"/>
-              </p:cNvPicPr>
-              <p:nvPr/>
-            </p:nvPicPr>
-            <p:blipFill>
-              <a:blip r:embed="rId8">
-                <a:extLst>
-                  <a:ext uri="{28A0092B-C50C-407E-A947-70E740481C1C}">
-                    <a14:useLocalDpi xmlns:a14="http://schemas.microsoft.com/office/drawing/2010/main" val="0"/>
-                  </a:ext>
-                </a:extLst>
-              </a:blip>
-              <a:srcRect/>
-              <a:stretch/>
-            </p:blipFill>
-            <p:spPr>
-              <a:xfrm>
-                <a:off x="11752180" y="10433918"/>
-                <a:ext cx="8851159" cy="2808488"/>
-              </a:xfrm>
-              <a:prstGeom prst="rect">
-                <a:avLst/>
-              </a:prstGeom>
-            </p:spPr>
-          </p:pic>
-          <p:pic>
-            <p:nvPicPr>
-              <p:cNvPr id="205" name="그림 204">
-                <a:extLst>
-                  <a:ext uri="{FF2B5EF4-FFF2-40B4-BE49-F238E27FC236}">
-                    <a16:creationId xmlns:a16="http://schemas.microsoft.com/office/drawing/2014/main" id="{7550BDA0-FB35-4248-8800-2515A9E98C73}"/>
-                  </a:ext>
-                </a:extLst>
-              </p:cNvPr>
-              <p:cNvPicPr>
-                <a:picLocks noChangeAspect="1"/>
-              </p:cNvPicPr>
-              <p:nvPr/>
-            </p:nvPicPr>
-            <p:blipFill>
-              <a:blip r:embed="rId9" cstate="print">
-                <a:extLst>
-                  <a:ext uri="{28A0092B-C50C-407E-A947-70E740481C1C}">
-                    <a14:useLocalDpi xmlns:a14="http://schemas.microsoft.com/office/drawing/2010/main" val="0"/>
-                  </a:ext>
-                </a:extLst>
-              </a:blip>
-              <a:stretch>
-                <a:fillRect/>
-              </a:stretch>
-            </p:blipFill>
-            <p:spPr>
-              <a:xfrm>
-                <a:off x="1046162" y="10657879"/>
-                <a:ext cx="3323574" cy="2617384"/>
-              </a:xfrm>
-              <a:prstGeom prst="rect">
-                <a:avLst/>
-              </a:prstGeom>
-            </p:spPr>
-          </p:pic>
-          <p:pic>
-            <p:nvPicPr>
-              <p:cNvPr id="207" name="그림 206" descr="시계이(가) 표시된 사진&#10;&#10;자동 생성된 설명">
-                <a:extLst>
-                  <a:ext uri="{FF2B5EF4-FFF2-40B4-BE49-F238E27FC236}">
-                    <a16:creationId xmlns:a16="http://schemas.microsoft.com/office/drawing/2014/main" id="{E6BBDFEC-C249-438D-8078-64782D932650}"/>
-                  </a:ext>
-                </a:extLst>
-              </p:cNvPr>
-              <p:cNvPicPr>
-                <a:picLocks noChangeAspect="1"/>
-              </p:cNvPicPr>
-              <p:nvPr/>
-            </p:nvPicPr>
-            <p:blipFill>
-              <a:blip r:embed="rId10" cstate="print">
-                <a:extLst>
-                  <a:ext uri="{28A0092B-C50C-407E-A947-70E740481C1C}">
-                    <a14:useLocalDpi xmlns:a14="http://schemas.microsoft.com/office/drawing/2010/main" val="0"/>
-                  </a:ext>
-                </a:extLst>
-              </a:blip>
-              <a:stretch>
-                <a:fillRect/>
-              </a:stretch>
-            </p:blipFill>
-            <p:spPr>
-              <a:xfrm>
-                <a:off x="6344811" y="10631952"/>
-                <a:ext cx="1751201" cy="1751201"/>
-              </a:xfrm>
-              <a:prstGeom prst="rect">
-                <a:avLst/>
-              </a:prstGeom>
-            </p:spPr>
-          </p:pic>
-          <p:sp>
-            <p:nvSpPr>
-              <p:cNvPr id="209" name="화살표: 오른쪽 208">
-                <a:extLst>
-                  <a:ext uri="{FF2B5EF4-FFF2-40B4-BE49-F238E27FC236}">
-                    <a16:creationId xmlns:a16="http://schemas.microsoft.com/office/drawing/2014/main" id="{7507ED87-30D9-46C3-BED2-AEAA49BF7E11}"/>
-                  </a:ext>
-                </a:extLst>
-              </p:cNvPr>
-              <p:cNvSpPr/>
-              <p:nvPr/>
-            </p:nvSpPr>
-            <p:spPr>
-              <a:xfrm>
-                <a:off x="10429710" y="11305502"/>
-                <a:ext cx="1191491" cy="822005"/>
-              </a:xfrm>
-              <a:prstGeom prst="rightArrow">
-                <a:avLst/>
-              </a:prstGeom>
-            </p:spPr>
-            <p:style>
-              <a:lnRef idx="2">
-                <a:schemeClr val="accent1">
-                  <a:shade val="50000"/>
-                </a:schemeClr>
-              </a:lnRef>
-              <a:fillRef idx="1">
-                <a:schemeClr val="accent1"/>
-              </a:fillRef>
-              <a:effectRef idx="0">
-                <a:schemeClr val="accent1"/>
-              </a:effectRef>
-              <a:fontRef idx="minor">
-                <a:schemeClr val="lt1"/>
-              </a:fontRef>
-            </p:style>
-            <p:txBody>
-              <a:bodyPr rtlCol="0" anchor="ctr"/>
-              <a:lstStyle/>
-              <a:p>
-                <a:pPr algn="ctr"/>
-                <a:endParaRPr lang="ko-KR" altLang="en-US"/>
-              </a:p>
-            </p:txBody>
-          </p:sp>
-          <p:pic>
-            <p:nvPicPr>
-              <p:cNvPr id="33" name="그림 32" descr="건물, 창문, 벽돌이(가) 표시된 사진&#10;&#10;자동 생성된 설명">
-                <a:extLst>
-                  <a:ext uri="{FF2B5EF4-FFF2-40B4-BE49-F238E27FC236}">
-                    <a16:creationId xmlns:a16="http://schemas.microsoft.com/office/drawing/2014/main" id="{DF49A666-3C96-466D-B78D-F74403DBB72B}"/>
-                  </a:ext>
-                </a:extLst>
-              </p:cNvPr>
-              <p:cNvPicPr>
-                <a:picLocks noChangeAspect="1"/>
-              </p:cNvPicPr>
-              <p:nvPr/>
-            </p:nvPicPr>
-            <p:blipFill rotWithShape="1">
-              <a:blip r:embed="rId11">
-                <a:extLst>
-                  <a:ext uri="{28A0092B-C50C-407E-A947-70E740481C1C}">
-                    <a14:useLocalDpi xmlns:a14="http://schemas.microsoft.com/office/drawing/2010/main" val="0"/>
-                  </a:ext>
-                </a:extLst>
-              </a:blip>
-              <a:srcRect l="6305" t="9204" r="11986" b="9189"/>
-              <a:stretch/>
-            </p:blipFill>
-            <p:spPr>
-              <a:xfrm>
-                <a:off x="8191500" y="10634286"/>
-                <a:ext cx="1751201" cy="1748918"/>
-              </a:xfrm>
-              <a:prstGeom prst="rect">
-                <a:avLst/>
-              </a:prstGeom>
-            </p:spPr>
-          </p:pic>
-          <p:sp>
-            <p:nvSpPr>
-              <p:cNvPr id="36" name="화살표: 오른쪽 35">
-                <a:extLst>
-                  <a:ext uri="{FF2B5EF4-FFF2-40B4-BE49-F238E27FC236}">
-                    <a16:creationId xmlns:a16="http://schemas.microsoft.com/office/drawing/2014/main" id="{80AA60EA-DCCE-4FDA-A6BA-2BBD876291E9}"/>
-                  </a:ext>
-                </a:extLst>
-              </p:cNvPr>
-              <p:cNvSpPr/>
-              <p:nvPr/>
-            </p:nvSpPr>
-            <p:spPr>
-              <a:xfrm>
-                <a:off x="4901440" y="11305502"/>
-                <a:ext cx="1191491" cy="822005"/>
-              </a:xfrm>
-              <a:prstGeom prst="rightArrow">
-                <a:avLst/>
-              </a:prstGeom>
-            </p:spPr>
-            <p:style>
-              <a:lnRef idx="2">
-                <a:schemeClr val="accent1">
-                  <a:shade val="50000"/>
-                </a:schemeClr>
-              </a:lnRef>
-              <a:fillRef idx="1">
-                <a:schemeClr val="accent1"/>
-              </a:fillRef>
-              <a:effectRef idx="0">
-                <a:schemeClr val="accent1"/>
-              </a:effectRef>
-              <a:fontRef idx="minor">
-                <a:schemeClr val="lt1"/>
-              </a:fontRef>
-            </p:style>
-            <p:txBody>
-              <a:bodyPr rtlCol="0" anchor="ctr"/>
-              <a:lstStyle/>
-              <a:p>
-                <a:pPr algn="ctr"/>
-                <a:endParaRPr lang="ko-KR" altLang="en-US"/>
-              </a:p>
-            </p:txBody>
-          </p:sp>
-        </p:grpSp>
-        <p:pic>
-          <p:nvPicPr>
-            <p:cNvPr id="37" name="그림 36" descr="트럭, 버스, 엔진, 거리이(가) 표시된 사진&#10;&#10;자동 생성된 설명">
-              <a:extLst>
-                <a:ext uri="{FF2B5EF4-FFF2-40B4-BE49-F238E27FC236}">
-                  <a16:creationId xmlns:a16="http://schemas.microsoft.com/office/drawing/2014/main" id="{AF853D96-4EB0-4C25-8B45-9C73C832B72A}"/>
-                </a:ext>
-              </a:extLst>
-            </p:cNvPr>
-            <p:cNvPicPr>
-              <a:picLocks noChangeAspect="1"/>
-            </p:cNvPicPr>
-            <p:nvPr/>
-          </p:nvPicPr>
-          <p:blipFill rotWithShape="1">
-            <a:blip r:embed="rId12" cstate="print">
-              <a:extLst>
-                <a:ext uri="{28A0092B-C50C-407E-A947-70E740481C1C}">
-                  <a14:useLocalDpi xmlns:a14="http://schemas.microsoft.com/office/drawing/2010/main" val="0"/>
-                </a:ext>
-              </a:extLst>
-            </a:blip>
-            <a:srcRect r="38047"/>
-            <a:stretch/>
-          </p:blipFill>
-          <p:spPr>
-            <a:xfrm>
-              <a:off x="3070498" y="22824415"/>
-              <a:ext cx="1066838" cy="968631"/>
-            </a:xfrm>
-            <a:prstGeom prst="rect">
-              <a:avLst/>
-            </a:prstGeom>
-          </p:spPr>
-        </p:pic>
-      </p:grpSp>
+        </p:nvPicPr>
+        <p:blipFill>
+          <a:blip r:embed="rId9">
+            <a:extLst>
+              <a:ext uri="{28A0092B-C50C-407E-A947-70E740481C1C}">
+                <a14:useLocalDpi xmlns:a14="http://schemas.microsoft.com/office/drawing/2010/main" val="0"/>
+              </a:ext>
+            </a:extLst>
+          </a:blip>
+          <a:stretch>
+            <a:fillRect/>
+          </a:stretch>
+        </p:blipFill>
+        <p:spPr>
+          <a:xfrm>
+            <a:off x="9451493" y="13696663"/>
+            <a:ext cx="3695700" cy="1238250"/>
+          </a:xfrm>
+          <a:prstGeom prst="rect">
+            <a:avLst/>
+          </a:prstGeom>
+        </p:spPr>
+      </p:pic>
+      <p:pic>
+        <p:nvPicPr>
+          <p:cNvPr id="203" name="그림 202">
+            <a:extLst>
+              <a:ext uri="{FF2B5EF4-FFF2-40B4-BE49-F238E27FC236}">
+                <a16:creationId xmlns:a16="http://schemas.microsoft.com/office/drawing/2014/main" id="{3311578B-D934-4963-949C-815C606B78E2}"/>
+              </a:ext>
+            </a:extLst>
+          </p:cNvPr>
+          <p:cNvPicPr>
+            <a:picLocks noChangeAspect="1"/>
+          </p:cNvPicPr>
+          <p:nvPr/>
+        </p:nvPicPr>
+        <p:blipFill>
+          <a:blip r:embed="rId10">
+            <a:extLst>
+              <a:ext uri="{28A0092B-C50C-407E-A947-70E740481C1C}">
+                <a14:useLocalDpi xmlns:a14="http://schemas.microsoft.com/office/drawing/2010/main" val="0"/>
+              </a:ext>
+            </a:extLst>
+          </a:blip>
+          <a:srcRect/>
+          <a:stretch/>
+        </p:blipFill>
+        <p:spPr>
+          <a:xfrm>
+            <a:off x="14229183" y="11050023"/>
+            <a:ext cx="6437230" cy="7748705"/>
+          </a:xfrm>
+          <a:prstGeom prst="rect">
+            <a:avLst/>
+          </a:prstGeom>
+        </p:spPr>
+      </p:pic>
+      <p:pic>
+        <p:nvPicPr>
+          <p:cNvPr id="207" name="그림 206" descr="시계이(가) 표시된 사진&#10;&#10;자동 생성된 설명">
+            <a:extLst>
+              <a:ext uri="{FF2B5EF4-FFF2-40B4-BE49-F238E27FC236}">
+                <a16:creationId xmlns:a16="http://schemas.microsoft.com/office/drawing/2014/main" id="{E6BBDFEC-C249-438D-8078-64782D932650}"/>
+              </a:ext>
+            </a:extLst>
+          </p:cNvPr>
+          <p:cNvPicPr>
+            <a:picLocks noChangeAspect="1"/>
+          </p:cNvPicPr>
+          <p:nvPr/>
+        </p:nvPicPr>
+        <p:blipFill>
+          <a:blip r:embed="rId11" cstate="print">
+            <a:extLst>
+              <a:ext uri="{28A0092B-C50C-407E-A947-70E740481C1C}">
+                <a14:useLocalDpi xmlns:a14="http://schemas.microsoft.com/office/drawing/2010/main" val="0"/>
+              </a:ext>
+            </a:extLst>
+          </a:blip>
+          <a:stretch>
+            <a:fillRect/>
+          </a:stretch>
+        </p:blipFill>
+        <p:spPr>
+          <a:xfrm>
+            <a:off x="9578847" y="12249279"/>
+            <a:ext cx="1751201" cy="1751201"/>
+          </a:xfrm>
+          <a:prstGeom prst="rect">
+            <a:avLst/>
+          </a:prstGeom>
+        </p:spPr>
+      </p:pic>
+      <p:sp>
+        <p:nvSpPr>
+          <p:cNvPr id="209" name="화살표: 오른쪽 208">
+            <a:extLst>
+              <a:ext uri="{FF2B5EF4-FFF2-40B4-BE49-F238E27FC236}">
+                <a16:creationId xmlns:a16="http://schemas.microsoft.com/office/drawing/2014/main" id="{7507ED87-30D9-46C3-BED2-AEAA49BF7E11}"/>
+              </a:ext>
+            </a:extLst>
+          </p:cNvPr>
+          <p:cNvSpPr/>
+          <p:nvPr/>
+        </p:nvSpPr>
+        <p:spPr>
+          <a:xfrm>
+            <a:off x="13188084" y="13294972"/>
+            <a:ext cx="795520" cy="552975"/>
+          </a:xfrm>
+          <a:prstGeom prst="rightArrow">
+            <a:avLst/>
+          </a:prstGeom>
+        </p:spPr>
+        <p:style>
+          <a:lnRef idx="2">
+            <a:schemeClr val="accent1">
+              <a:shade val="50000"/>
+            </a:schemeClr>
+          </a:lnRef>
+          <a:fillRef idx="1">
+            <a:schemeClr val="accent1"/>
+          </a:fillRef>
+          <a:effectRef idx="0">
+            <a:schemeClr val="accent1"/>
+          </a:effectRef>
+          <a:fontRef idx="minor">
+            <a:schemeClr val="lt1"/>
+          </a:fontRef>
+        </p:style>
+        <p:txBody>
+          <a:bodyPr rtlCol="0" anchor="ctr"/>
+          <a:lstStyle/>
+          <a:p>
+            <a:pPr algn="ctr"/>
+            <a:endParaRPr lang="ko-KR" altLang="en-US"/>
+          </a:p>
+        </p:txBody>
+      </p:sp>
+      <p:pic>
+        <p:nvPicPr>
+          <p:cNvPr id="33" name="그림 32" descr="건물, 창문, 벽돌이(가) 표시된 사진&#10;&#10;자동 생성된 설명">
+            <a:extLst>
+              <a:ext uri="{FF2B5EF4-FFF2-40B4-BE49-F238E27FC236}">
+                <a16:creationId xmlns:a16="http://schemas.microsoft.com/office/drawing/2014/main" id="{DF49A666-3C96-466D-B78D-F74403DBB72B}"/>
+              </a:ext>
+            </a:extLst>
+          </p:cNvPr>
+          <p:cNvPicPr>
+            <a:picLocks noChangeAspect="1"/>
+          </p:cNvPicPr>
+          <p:nvPr/>
+        </p:nvPicPr>
+        <p:blipFill rotWithShape="1">
+          <a:blip r:embed="rId12">
+            <a:extLst>
+              <a:ext uri="{28A0092B-C50C-407E-A947-70E740481C1C}">
+                <a14:useLocalDpi xmlns:a14="http://schemas.microsoft.com/office/drawing/2010/main" val="0"/>
+              </a:ext>
+            </a:extLst>
+          </a:blip>
+          <a:srcRect l="6305" t="9204" r="11986" b="9189"/>
+          <a:stretch/>
+        </p:blipFill>
+        <p:spPr>
+          <a:xfrm>
+            <a:off x="11425536" y="12251613"/>
+            <a:ext cx="1751201" cy="1748918"/>
+          </a:xfrm>
+          <a:prstGeom prst="rect">
+            <a:avLst/>
+          </a:prstGeom>
+        </p:spPr>
+      </p:pic>
       <p:sp>
         <p:nvSpPr>
           <p:cNvPr id="41" name="TextBox 40">
@@ -4995,7 +4838,7 @@
         </p:nvSpPr>
         <p:spPr>
           <a:xfrm>
-            <a:off x="847321" y="8555107"/>
+            <a:off x="717212" y="7568463"/>
             <a:ext cx="7391400" cy="584775"/>
           </a:xfrm>
           <a:prstGeom prst="rect">
@@ -5037,8 +4880,8 @@
         </p:nvSpPr>
         <p:spPr>
           <a:xfrm>
-            <a:off x="858049" y="9121118"/>
-            <a:ext cx="19363509" cy="1815882"/>
+            <a:off x="883920" y="8161306"/>
+            <a:ext cx="19363509" cy="954107"/>
           </a:xfrm>
           <a:prstGeom prst="rect">
             <a:avLst/>
@@ -5089,79 +4932,6 @@
               </a:rPr>
               <a:t>기술</a:t>
             </a:r>
-            <a:endParaRPr lang="en-US" altLang="ko-KR" sz="2800" dirty="0">
-              <a:latin typeface="나눔스퀘어 Bold" panose="020B0600000101010101" pitchFamily="50" charset="-127"/>
-              <a:ea typeface="나눔스퀘어 Bold" panose="020B0600000101010101" pitchFamily="50" charset="-127"/>
-            </a:endParaRPr>
-          </a:p>
-          <a:p>
-            <a:pPr marL="342900" indent="-342900">
-              <a:buFontTx/>
-              <a:buChar char="-"/>
-            </a:pPr>
-            <a:r>
-              <a:rPr lang="ko-KR" altLang="en-US" sz="2800" dirty="0">
-                <a:latin typeface="나눔스퀘어 Bold" panose="020B0600000101010101" pitchFamily="50" charset="-127"/>
-                <a:ea typeface="나눔스퀘어 Bold" panose="020B0600000101010101" pitchFamily="50" charset="-127"/>
-              </a:rPr>
-              <a:t>데이터 가공에는 </a:t>
-            </a:r>
-            <a:r>
-              <a:rPr lang="en-US" altLang="ko-KR" sz="2800" dirty="0">
-                <a:latin typeface="나눔스퀘어 Bold" panose="020B0600000101010101" pitchFamily="50" charset="-127"/>
-                <a:ea typeface="나눔스퀘어 Bold" panose="020B0600000101010101" pitchFamily="50" charset="-127"/>
-              </a:rPr>
-              <a:t>Data Adaptation </a:t>
-            </a:r>
-            <a:r>
-              <a:rPr lang="ko-KR" altLang="en-US" sz="2800" dirty="0">
-                <a:latin typeface="나눔스퀘어 Bold" panose="020B0600000101010101" pitchFamily="50" charset="-127"/>
-                <a:ea typeface="나눔스퀘어 Bold" panose="020B0600000101010101" pitchFamily="50" charset="-127"/>
-              </a:rPr>
-              <a:t>방식을 채택</a:t>
-            </a:r>
-            <a:endParaRPr lang="en-US" altLang="ko-KR" sz="2800" dirty="0">
-              <a:latin typeface="나눔스퀘어 Bold" panose="020B0600000101010101" pitchFamily="50" charset="-127"/>
-              <a:ea typeface="나눔스퀘어 Bold" panose="020B0600000101010101" pitchFamily="50" charset="-127"/>
-            </a:endParaRPr>
-          </a:p>
-          <a:p>
-            <a:pPr marL="342900" indent="-342900">
-              <a:buFontTx/>
-              <a:buChar char="-"/>
-            </a:pPr>
-            <a:r>
-              <a:rPr lang="ko-KR" altLang="en-US" sz="2800" dirty="0">
-                <a:latin typeface="나눔스퀘어 Bold" panose="020B0600000101010101" pitchFamily="50" charset="-127"/>
-                <a:ea typeface="나눔스퀘어 Bold" panose="020B0600000101010101" pitchFamily="50" charset="-127"/>
-              </a:rPr>
-              <a:t>시뮬레이션에서 많은 수의 데이터를 직접 추출</a:t>
-            </a:r>
-            <a:r>
-              <a:rPr lang="en-US" altLang="ko-KR" sz="2800" dirty="0">
-                <a:latin typeface="나눔스퀘어 Bold" panose="020B0600000101010101" pitchFamily="50" charset="-127"/>
-                <a:ea typeface="나눔스퀘어 Bold" panose="020B0600000101010101" pitchFamily="50" charset="-127"/>
-              </a:rPr>
-              <a:t>, </a:t>
-            </a:r>
-            <a:r>
-              <a:rPr lang="ko-KR" altLang="en-US" sz="2800" dirty="0">
-                <a:latin typeface="나눔스퀘어 Bold" panose="020B0600000101010101" pitchFamily="50" charset="-127"/>
-                <a:ea typeface="나눔스퀘어 Bold" panose="020B0600000101010101" pitchFamily="50" charset="-127"/>
-              </a:rPr>
-              <a:t>이를 실제 데이터와 비슷하게 가공하여 차이를 줄이는 방식</a:t>
-            </a:r>
-            <a:r>
-              <a:rPr lang="en-US" altLang="ko-KR" sz="2800" dirty="0">
-                <a:latin typeface="나눔스퀘어 Bold" panose="020B0600000101010101" pitchFamily="50" charset="-127"/>
-                <a:ea typeface="나눔스퀘어 Bold" panose="020B0600000101010101" pitchFamily="50" charset="-127"/>
-              </a:rPr>
-              <a:t>.</a:t>
-            </a:r>
-            <a:endParaRPr lang="ko-KR" altLang="en-US" sz="2800" dirty="0">
-              <a:latin typeface="나눔스퀘어 Bold" panose="020B0600000101010101" pitchFamily="50" charset="-127"/>
-              <a:ea typeface="나눔스퀘어 Bold" panose="020B0600000101010101" pitchFamily="50" charset="-127"/>
-            </a:endParaRPr>
           </a:p>
         </p:txBody>
       </p:sp>
@@ -5179,7 +4949,7 @@
         </p:nvSpPr>
         <p:spPr>
           <a:xfrm>
-            <a:off x="844983" y="13426061"/>
+            <a:off x="717212" y="11423262"/>
             <a:ext cx="7391400" cy="584775"/>
           </a:xfrm>
           <a:prstGeom prst="rect">
@@ -5210,12 +4980,529 @@
           </a:p>
         </p:txBody>
       </p:sp>
+      <p:sp>
+        <p:nvSpPr>
+          <p:cNvPr id="169" name="TextBox 168">
+            <a:extLst>
+              <a:ext uri="{FF2B5EF4-FFF2-40B4-BE49-F238E27FC236}">
+                <a16:creationId xmlns:a16="http://schemas.microsoft.com/office/drawing/2014/main" id="{49692D13-AEEA-4403-B0E7-8466B902D902}"/>
+              </a:ext>
+            </a:extLst>
+          </p:cNvPr>
+          <p:cNvSpPr txBox="1"/>
+          <p:nvPr/>
+        </p:nvSpPr>
+        <p:spPr>
+          <a:xfrm>
+            <a:off x="716697" y="18820071"/>
+            <a:ext cx="8064445" cy="523220"/>
+          </a:xfrm>
+          <a:prstGeom prst="rect">
+            <a:avLst/>
+          </a:prstGeom>
+          <a:noFill/>
+        </p:spPr>
+        <p:txBody>
+          <a:bodyPr wrap="square" rtlCol="0">
+            <a:spAutoFit/>
+          </a:bodyPr>
+          <a:lstStyle/>
+          <a:p>
+            <a:r>
+              <a:rPr lang="ko-KR" altLang="en-US" sz="2800" dirty="0">
+                <a:latin typeface="나눔스퀘어 Bold" panose="020B0600000101010101" pitchFamily="50" charset="-127"/>
+                <a:ea typeface="나눔스퀘어 Bold" panose="020B0600000101010101" pitchFamily="50" charset="-127"/>
+              </a:rPr>
+              <a:t>학습용 시뮬레이션 차량 센서 데이터 추출 및 변환</a:t>
+            </a:r>
+            <a:endParaRPr lang="en-US" altLang="ko-KR" sz="2800" dirty="0">
+              <a:latin typeface="나눔스퀘어 Bold" panose="020B0600000101010101" pitchFamily="50" charset="-127"/>
+              <a:ea typeface="나눔스퀘어 Bold" panose="020B0600000101010101" pitchFamily="50" charset="-127"/>
+            </a:endParaRPr>
+          </a:p>
+        </p:txBody>
+      </p:sp>
+      <p:sp>
+        <p:nvSpPr>
+          <p:cNvPr id="175" name="TextBox 174">
+            <a:extLst>
+              <a:ext uri="{FF2B5EF4-FFF2-40B4-BE49-F238E27FC236}">
+                <a16:creationId xmlns:a16="http://schemas.microsoft.com/office/drawing/2014/main" id="{1EB2729B-DF27-42F1-BCC8-4A830478582A}"/>
+              </a:ext>
+            </a:extLst>
+          </p:cNvPr>
+          <p:cNvSpPr txBox="1"/>
+          <p:nvPr/>
+        </p:nvSpPr>
+        <p:spPr>
+          <a:xfrm>
+            <a:off x="11884331" y="19132074"/>
+            <a:ext cx="4689703" cy="523220"/>
+          </a:xfrm>
+          <a:prstGeom prst="rect">
+            <a:avLst/>
+          </a:prstGeom>
+          <a:noFill/>
+        </p:spPr>
+        <p:txBody>
+          <a:bodyPr wrap="square" rtlCol="0">
+            <a:spAutoFit/>
+          </a:bodyPr>
+          <a:lstStyle/>
+          <a:p>
+            <a:pPr algn="ctr"/>
+            <a:r>
+              <a:rPr lang="en-US" altLang="ko-KR" sz="2800" dirty="0">
+                <a:latin typeface="나눔스퀘어 Bold" panose="020B0600000101010101" pitchFamily="50" charset="-127"/>
+                <a:ea typeface="나눔스퀘어 Bold" panose="020B0600000101010101" pitchFamily="50" charset="-127"/>
+              </a:rPr>
+              <a:t>CNN </a:t>
+            </a:r>
+            <a:r>
+              <a:rPr lang="ko-KR" altLang="en-US" sz="2800" dirty="0">
+                <a:latin typeface="나눔스퀘어 Bold" panose="020B0600000101010101" pitchFamily="50" charset="-127"/>
+                <a:ea typeface="나눔스퀘어 Bold" panose="020B0600000101010101" pitchFamily="50" charset="-127"/>
+              </a:rPr>
+              <a:t>기반 </a:t>
+            </a:r>
+            <a:r>
+              <a:rPr lang="en-US" altLang="ko-KR" sz="2800" dirty="0" err="1">
+                <a:latin typeface="나눔스퀘어 Bold" panose="020B0600000101010101" pitchFamily="50" charset="-127"/>
+                <a:ea typeface="나눔스퀘어 Bold" panose="020B0600000101010101" pitchFamily="50" charset="-127"/>
+              </a:rPr>
+              <a:t>Keras</a:t>
+            </a:r>
+            <a:r>
+              <a:rPr lang="en-US" altLang="ko-KR" sz="2800" dirty="0">
+                <a:latin typeface="나눔스퀘어 Bold" panose="020B0600000101010101" pitchFamily="50" charset="-127"/>
+                <a:ea typeface="나눔스퀘어 Bold" panose="020B0600000101010101" pitchFamily="50" charset="-127"/>
+              </a:rPr>
+              <a:t> </a:t>
+            </a:r>
+            <a:r>
+              <a:rPr lang="ko-KR" altLang="en-US" sz="2800" dirty="0">
+                <a:latin typeface="나눔스퀘어 Bold" panose="020B0600000101010101" pitchFamily="50" charset="-127"/>
+                <a:ea typeface="나눔스퀘어 Bold" panose="020B0600000101010101" pitchFamily="50" charset="-127"/>
+              </a:rPr>
+              <a:t>딥러닝 모델</a:t>
+            </a:r>
+            <a:endParaRPr lang="en-US" altLang="ko-KR" sz="2800" dirty="0">
+              <a:latin typeface="나눔스퀘어 Bold" panose="020B0600000101010101" pitchFamily="50" charset="-127"/>
+              <a:ea typeface="나눔스퀘어 Bold" panose="020B0600000101010101" pitchFamily="50" charset="-127"/>
+            </a:endParaRPr>
+          </a:p>
+        </p:txBody>
+      </p:sp>
+      <p:pic>
+        <p:nvPicPr>
+          <p:cNvPr id="185" name="그림 184" descr="텍스트, 지도이(가) 표시된 사진&#10;&#10;자동 생성된 설명">
+            <a:extLst>
+              <a:ext uri="{FF2B5EF4-FFF2-40B4-BE49-F238E27FC236}">
+                <a16:creationId xmlns:a16="http://schemas.microsoft.com/office/drawing/2014/main" id="{8415C1CC-6FA6-411C-B5C6-DEDA777F3907}"/>
+              </a:ext>
+            </a:extLst>
+          </p:cNvPr>
+          <p:cNvPicPr>
+            <a:picLocks noChangeAspect="1"/>
+          </p:cNvPicPr>
+          <p:nvPr/>
+        </p:nvPicPr>
+        <p:blipFill>
+          <a:blip r:embed="rId13">
+            <a:extLst>
+              <a:ext uri="{28A0092B-C50C-407E-A947-70E740481C1C}">
+                <a14:useLocalDpi xmlns:a14="http://schemas.microsoft.com/office/drawing/2010/main" val="0"/>
+              </a:ext>
+            </a:extLst>
+          </a:blip>
+          <a:stretch>
+            <a:fillRect/>
+          </a:stretch>
+        </p:blipFill>
+        <p:spPr>
+          <a:xfrm>
+            <a:off x="9806350" y="19684098"/>
+            <a:ext cx="9129858" cy="2632899"/>
+          </a:xfrm>
+          <a:prstGeom prst="rect">
+            <a:avLst/>
+          </a:prstGeom>
+        </p:spPr>
+      </p:pic>
+      <p:sp>
+        <p:nvSpPr>
+          <p:cNvPr id="187" name="TextBox 186">
+            <a:extLst>
+              <a:ext uri="{FF2B5EF4-FFF2-40B4-BE49-F238E27FC236}">
+                <a16:creationId xmlns:a16="http://schemas.microsoft.com/office/drawing/2014/main" id="{BD097F87-B56E-4DFE-BB13-737D0B17F4FA}"/>
+              </a:ext>
+            </a:extLst>
+          </p:cNvPr>
+          <p:cNvSpPr txBox="1"/>
+          <p:nvPr/>
+        </p:nvSpPr>
+        <p:spPr>
+          <a:xfrm>
+            <a:off x="716697" y="15836372"/>
+            <a:ext cx="5428070" cy="523220"/>
+          </a:xfrm>
+          <a:prstGeom prst="rect">
+            <a:avLst/>
+          </a:prstGeom>
+          <a:noFill/>
+        </p:spPr>
+        <p:txBody>
+          <a:bodyPr wrap="square" rtlCol="0">
+            <a:spAutoFit/>
+          </a:bodyPr>
+          <a:lstStyle/>
+          <a:p>
+            <a:r>
+              <a:rPr lang="ko-KR" altLang="en-US" sz="2800" dirty="0">
+                <a:latin typeface="나눔스퀘어 Bold" panose="020B0600000101010101" pitchFamily="50" charset="-127"/>
+                <a:ea typeface="나눔스퀘어 Bold" panose="020B0600000101010101" pitchFamily="50" charset="-127"/>
+              </a:rPr>
+              <a:t>예측용 실제 차량 센서 데이터 수집</a:t>
+            </a:r>
+            <a:endParaRPr lang="en-US" altLang="ko-KR" sz="2800" dirty="0">
+              <a:latin typeface="나눔스퀘어 Bold" panose="020B0600000101010101" pitchFamily="50" charset="-127"/>
+              <a:ea typeface="나눔스퀘어 Bold" panose="020B0600000101010101" pitchFamily="50" charset="-127"/>
+            </a:endParaRPr>
+          </a:p>
+        </p:txBody>
+      </p:sp>
+      <p:pic>
+        <p:nvPicPr>
+          <p:cNvPr id="189" name="그림 188" descr="자동차, 주차, 갈색, 파란색이(가) 표시된 사진&#10;&#10;자동 생성된 설명">
+            <a:extLst>
+              <a:ext uri="{FF2B5EF4-FFF2-40B4-BE49-F238E27FC236}">
+                <a16:creationId xmlns:a16="http://schemas.microsoft.com/office/drawing/2014/main" id="{7300E14C-9960-47B0-8B0C-90E02C25DA7E}"/>
+              </a:ext>
+            </a:extLst>
+          </p:cNvPr>
+          <p:cNvPicPr>
+            <a:picLocks noChangeAspect="1"/>
+          </p:cNvPicPr>
+          <p:nvPr/>
+        </p:nvPicPr>
+        <p:blipFill>
+          <a:blip r:embed="rId14" cstate="print">
+            <a:extLst>
+              <a:ext uri="{28A0092B-C50C-407E-A947-70E740481C1C}">
+                <a14:useLocalDpi xmlns:a14="http://schemas.microsoft.com/office/drawing/2010/main" val="0"/>
+              </a:ext>
+            </a:extLst>
+          </a:blip>
+          <a:stretch>
+            <a:fillRect/>
+          </a:stretch>
+        </p:blipFill>
+        <p:spPr>
+          <a:xfrm>
+            <a:off x="727013" y="16307831"/>
+            <a:ext cx="4068283" cy="2366385"/>
+          </a:xfrm>
+          <a:prstGeom prst="rect">
+            <a:avLst/>
+          </a:prstGeom>
+        </p:spPr>
+      </p:pic>
+      <p:pic>
+        <p:nvPicPr>
+          <p:cNvPr id="193" name="그림 192" descr="텍스트이(가) 표시된 사진&#10;&#10;자동 생성된 설명">
+            <a:extLst>
+              <a:ext uri="{FF2B5EF4-FFF2-40B4-BE49-F238E27FC236}">
+                <a16:creationId xmlns:a16="http://schemas.microsoft.com/office/drawing/2014/main" id="{DFCA29B8-2793-45DB-9C2A-09A24A83A3C9}"/>
+              </a:ext>
+            </a:extLst>
+          </p:cNvPr>
+          <p:cNvPicPr>
+            <a:picLocks noChangeAspect="1"/>
+          </p:cNvPicPr>
+          <p:nvPr/>
+        </p:nvPicPr>
+        <p:blipFill>
+          <a:blip r:embed="rId15" cstate="print">
+            <a:extLst>
+              <a:ext uri="{28A0092B-C50C-407E-A947-70E740481C1C}">
+                <a14:useLocalDpi xmlns:a14="http://schemas.microsoft.com/office/drawing/2010/main" val="0"/>
+              </a:ext>
+            </a:extLst>
+          </a:blip>
+          <a:stretch>
+            <a:fillRect/>
+          </a:stretch>
+        </p:blipFill>
+        <p:spPr>
+          <a:xfrm>
+            <a:off x="7137209" y="16294798"/>
+            <a:ext cx="2362082" cy="2341818"/>
+          </a:xfrm>
+          <a:prstGeom prst="rect">
+            <a:avLst/>
+          </a:prstGeom>
+        </p:spPr>
+      </p:pic>
+      <p:sp>
+        <p:nvSpPr>
+          <p:cNvPr id="197" name="화살표: 오른쪽 196">
+            <a:extLst>
+              <a:ext uri="{FF2B5EF4-FFF2-40B4-BE49-F238E27FC236}">
+                <a16:creationId xmlns:a16="http://schemas.microsoft.com/office/drawing/2014/main" id="{F1F33468-B18C-48B9-8356-6FCB4F4CB2C1}"/>
+              </a:ext>
+            </a:extLst>
+          </p:cNvPr>
+          <p:cNvSpPr/>
+          <p:nvPr/>
+        </p:nvSpPr>
+        <p:spPr>
+          <a:xfrm rot="5400000">
+            <a:off x="9375362" y="17787351"/>
+            <a:ext cx="2632898" cy="1247613"/>
+          </a:xfrm>
+          <a:prstGeom prst="rightArrow">
+            <a:avLst/>
+          </a:prstGeom>
+        </p:spPr>
+        <p:style>
+          <a:lnRef idx="2">
+            <a:schemeClr val="accent1">
+              <a:shade val="50000"/>
+            </a:schemeClr>
+          </a:lnRef>
+          <a:fillRef idx="1">
+            <a:schemeClr val="accent1"/>
+          </a:fillRef>
+          <a:effectRef idx="0">
+            <a:schemeClr val="accent1"/>
+          </a:effectRef>
+          <a:fontRef idx="minor">
+            <a:schemeClr val="lt1"/>
+          </a:fontRef>
+        </p:style>
+        <p:txBody>
+          <a:bodyPr rtlCol="0" anchor="ctr"/>
+          <a:lstStyle/>
+          <a:p>
+            <a:pPr algn="ctr"/>
+            <a:r>
+              <a:rPr lang="ko-KR" altLang="en-US" sz="2800" dirty="0">
+                <a:latin typeface="나눔스퀘어 Bold" panose="020B0600000101010101" pitchFamily="50" charset="-127"/>
+                <a:ea typeface="나눔스퀘어 Bold" panose="020B0600000101010101" pitchFamily="50" charset="-127"/>
+              </a:rPr>
+              <a:t>예측</a:t>
+            </a:r>
+            <a:endParaRPr lang="ko-KR" altLang="en-US" dirty="0">
+              <a:latin typeface="나눔스퀘어 Bold" panose="020B0600000101010101" pitchFamily="50" charset="-127"/>
+              <a:ea typeface="나눔스퀘어 Bold" panose="020B0600000101010101" pitchFamily="50" charset="-127"/>
+            </a:endParaRPr>
+          </a:p>
+        </p:txBody>
+      </p:sp>
+      <p:pic>
+        <p:nvPicPr>
+          <p:cNvPr id="7" name="그림 6" descr="건물, 창문, 벽돌이(가) 표시된 사진&#10;&#10;자동 생성된 설명">
+            <a:extLst>
+              <a:ext uri="{FF2B5EF4-FFF2-40B4-BE49-F238E27FC236}">
+                <a16:creationId xmlns:a16="http://schemas.microsoft.com/office/drawing/2014/main" id="{8C858E60-1EF6-47EC-8D19-FA5621AEA718}"/>
+              </a:ext>
+            </a:extLst>
+          </p:cNvPr>
+          <p:cNvPicPr>
+            <a:picLocks noChangeAspect="1"/>
+          </p:cNvPicPr>
+          <p:nvPr/>
+        </p:nvPicPr>
+        <p:blipFill rotWithShape="1">
+          <a:blip r:embed="rId12">
+            <a:extLst>
+              <a:ext uri="{28A0092B-C50C-407E-A947-70E740481C1C}">
+                <a14:useLocalDpi xmlns:a14="http://schemas.microsoft.com/office/drawing/2010/main" val="0"/>
+              </a:ext>
+            </a:extLst>
+          </a:blip>
+          <a:srcRect l="16644" t="14105" r="15500" b="15159"/>
+          <a:stretch/>
+        </p:blipFill>
+        <p:spPr>
+          <a:xfrm>
+            <a:off x="7649030" y="19340067"/>
+            <a:ext cx="1599820" cy="1667682"/>
+          </a:xfrm>
+          <a:prstGeom prst="rect">
+            <a:avLst/>
+          </a:prstGeom>
+        </p:spPr>
+      </p:pic>
+      <p:sp>
+        <p:nvSpPr>
+          <p:cNvPr id="9" name="화살표: 오른쪽 8">
+            <a:extLst>
+              <a:ext uri="{FF2B5EF4-FFF2-40B4-BE49-F238E27FC236}">
+                <a16:creationId xmlns:a16="http://schemas.microsoft.com/office/drawing/2014/main" id="{70F5B4C4-86BB-4983-87E8-B2528374717E}"/>
+              </a:ext>
+            </a:extLst>
+          </p:cNvPr>
+          <p:cNvSpPr/>
+          <p:nvPr/>
+        </p:nvSpPr>
+        <p:spPr>
+          <a:xfrm>
+            <a:off x="6497504" y="20791970"/>
+            <a:ext cx="3261498" cy="960637"/>
+          </a:xfrm>
+          <a:prstGeom prst="rightArrow">
+            <a:avLst/>
+          </a:prstGeom>
+        </p:spPr>
+        <p:style>
+          <a:lnRef idx="2">
+            <a:schemeClr val="accent1">
+              <a:shade val="50000"/>
+            </a:schemeClr>
+          </a:lnRef>
+          <a:fillRef idx="1">
+            <a:schemeClr val="accent1"/>
+          </a:fillRef>
+          <a:effectRef idx="0">
+            <a:schemeClr val="accent1"/>
+          </a:effectRef>
+          <a:fontRef idx="minor">
+            <a:schemeClr val="lt1"/>
+          </a:fontRef>
+        </p:style>
+        <p:txBody>
+          <a:bodyPr rtlCol="0" anchor="ctr"/>
+          <a:lstStyle/>
+          <a:p>
+            <a:pPr algn="ctr"/>
+            <a:r>
+              <a:rPr lang="ko-KR" altLang="en-US" sz="2800">
+                <a:latin typeface="나눔스퀘어 Bold" panose="020B0600000101010101" pitchFamily="50" charset="-127"/>
+                <a:ea typeface="나눔스퀘어 Bold" panose="020B0600000101010101" pitchFamily="50" charset="-127"/>
+              </a:rPr>
+              <a:t>학습</a:t>
+            </a:r>
+            <a:endParaRPr lang="ko-KR" altLang="en-US" sz="2800" dirty="0">
+              <a:latin typeface="나눔스퀘어 Bold" panose="020B0600000101010101" pitchFamily="50" charset="-127"/>
+              <a:ea typeface="나눔스퀘어 Bold" panose="020B0600000101010101" pitchFamily="50" charset="-127"/>
+            </a:endParaRPr>
+          </a:p>
+        </p:txBody>
+      </p:sp>
+      <p:pic>
+        <p:nvPicPr>
+          <p:cNvPr id="171" name="그림 170" descr="트럭, 버스, 엔진, 거리이(가) 표시된 사진&#10;&#10;자동 생성된 설명">
+            <a:extLst>
+              <a:ext uri="{FF2B5EF4-FFF2-40B4-BE49-F238E27FC236}">
+                <a16:creationId xmlns:a16="http://schemas.microsoft.com/office/drawing/2014/main" id="{F0064BB0-93B4-4936-907C-B6F206C800B5}"/>
+              </a:ext>
+            </a:extLst>
+          </p:cNvPr>
+          <p:cNvPicPr>
+            <a:picLocks noChangeAspect="1"/>
+          </p:cNvPicPr>
+          <p:nvPr/>
+        </p:nvPicPr>
+        <p:blipFill rotWithShape="1">
+          <a:blip r:embed="rId16" cstate="print">
+            <a:extLst>
+              <a:ext uri="{28A0092B-C50C-407E-A947-70E740481C1C}">
+                <a14:useLocalDpi xmlns:a14="http://schemas.microsoft.com/office/drawing/2010/main" val="0"/>
+              </a:ext>
+            </a:extLst>
+          </a:blip>
+          <a:srcRect r="38047"/>
+          <a:stretch/>
+        </p:blipFill>
+        <p:spPr>
+          <a:xfrm>
+            <a:off x="5886450" y="19338349"/>
+            <a:ext cx="1865569" cy="1693836"/>
+          </a:xfrm>
+          <a:prstGeom prst="rect">
+            <a:avLst/>
+          </a:prstGeom>
+        </p:spPr>
+      </p:pic>
+      <p:pic>
+        <p:nvPicPr>
+          <p:cNvPr id="46" name="그림 45" descr="오렌지, 앉아있는, 테이블, 표지판이(가) 표시된 사진&#10;&#10;자동 생성된 설명">
+            <a:extLst>
+              <a:ext uri="{FF2B5EF4-FFF2-40B4-BE49-F238E27FC236}">
+                <a16:creationId xmlns:a16="http://schemas.microsoft.com/office/drawing/2014/main" id="{F35866A0-570C-4C0A-9134-A037A7F36623}"/>
+              </a:ext>
+            </a:extLst>
+          </p:cNvPr>
+          <p:cNvPicPr>
+            <a:picLocks noChangeAspect="1"/>
+          </p:cNvPicPr>
+          <p:nvPr/>
+        </p:nvPicPr>
+        <p:blipFill>
+          <a:blip r:embed="rId17">
+            <a:extLst>
+              <a:ext uri="{28A0092B-C50C-407E-A947-70E740481C1C}">
+                <a14:useLocalDpi xmlns:a14="http://schemas.microsoft.com/office/drawing/2010/main" val="0"/>
+              </a:ext>
+            </a:extLst>
+          </a:blip>
+          <a:stretch>
+            <a:fillRect/>
+          </a:stretch>
+        </p:blipFill>
+        <p:spPr>
+          <a:xfrm>
+            <a:off x="4543021" y="16310592"/>
+            <a:ext cx="2626249" cy="2363624"/>
+          </a:xfrm>
+          <a:prstGeom prst="rect">
+            <a:avLst/>
+          </a:prstGeom>
+        </p:spPr>
+      </p:pic>
+      <p:pic>
+        <p:nvPicPr>
+          <p:cNvPr id="205" name="그림 204">
+            <a:extLst>
+              <a:ext uri="{FF2B5EF4-FFF2-40B4-BE49-F238E27FC236}">
+                <a16:creationId xmlns:a16="http://schemas.microsoft.com/office/drawing/2014/main" id="{7550BDA0-FB35-4248-8800-2515A9E98C73}"/>
+              </a:ext>
+            </a:extLst>
+          </p:cNvPr>
+          <p:cNvPicPr>
+            <a:picLocks noChangeAspect="1"/>
+          </p:cNvPicPr>
+          <p:nvPr/>
+        </p:nvPicPr>
+        <p:blipFill>
+          <a:blip r:embed="rId18" cstate="print">
+            <a:extLst>
+              <a:ext uri="{28A0092B-C50C-407E-A947-70E740481C1C}">
+                <a14:useLocalDpi xmlns:a14="http://schemas.microsoft.com/office/drawing/2010/main" val="0"/>
+              </a:ext>
+            </a:extLst>
+          </a:blip>
+          <a:stretch>
+            <a:fillRect/>
+          </a:stretch>
+        </p:blipFill>
+        <p:spPr>
+          <a:xfrm>
+            <a:off x="5332326" y="12289753"/>
+            <a:ext cx="3240490" cy="2551954"/>
+          </a:xfrm>
+          <a:prstGeom prst="rect">
+            <a:avLst/>
+          </a:prstGeom>
+        </p:spPr>
+      </p:pic>
       <p:grpSp>
         <p:nvGrpSpPr>
-          <p:cNvPr id="47" name="그룹 46">
+          <p:cNvPr id="17" name="그룹 16">
             <a:extLst>
               <a:ext uri="{FF2B5EF4-FFF2-40B4-BE49-F238E27FC236}">
-                <a16:creationId xmlns:a16="http://schemas.microsoft.com/office/drawing/2014/main" id="{662632B6-4075-41C2-A780-8F6DB4E4696A}"/>
+                <a16:creationId xmlns:a16="http://schemas.microsoft.com/office/drawing/2014/main" id="{8D37E5EE-FBD2-4719-9EAB-D540310D0344}"/>
               </a:ext>
             </a:extLst>
           </p:cNvPr>
@@ -5224,629 +5511,242 @@
         </p:nvGrpSpPr>
         <p:grpSpPr>
           <a:xfrm>
-            <a:off x="1040669" y="17428213"/>
-            <a:ext cx="18400181" cy="4990055"/>
-            <a:chOff x="1040669" y="17762043"/>
-            <a:chExt cx="18400181" cy="4990055"/>
+            <a:off x="18838798" y="18798728"/>
+            <a:ext cx="1557549" cy="2279914"/>
+            <a:chOff x="18838798" y="18798728"/>
+            <a:chExt cx="1557549" cy="2279914"/>
           </a:xfrm>
         </p:grpSpPr>
-        <p:grpSp>
-          <p:nvGrpSpPr>
-            <p:cNvPr id="43" name="그룹 42">
+        <p:sp>
+          <p:nvSpPr>
+            <p:cNvPr id="15" name="화살표: 오른쪽 14">
               <a:extLst>
                 <a:ext uri="{FF2B5EF4-FFF2-40B4-BE49-F238E27FC236}">
-                  <a16:creationId xmlns:a16="http://schemas.microsoft.com/office/drawing/2014/main" id="{85B1B969-9EF8-4ECC-BC38-E29F58AD8B83}"/>
+                  <a16:creationId xmlns:a16="http://schemas.microsoft.com/office/drawing/2014/main" id="{CD40F441-4E3D-4D89-903F-E14E0F473741}"/>
                 </a:ext>
               </a:extLst>
             </p:cNvPr>
-            <p:cNvGrpSpPr/>
+            <p:cNvSpPr/>
             <p:nvPr/>
-          </p:nvGrpSpPr>
-          <p:grpSpPr>
-            <a:xfrm>
-              <a:off x="1040669" y="17762043"/>
-              <a:ext cx="18400181" cy="4990055"/>
-              <a:chOff x="1040669" y="14352093"/>
-              <a:chExt cx="18400181" cy="4990055"/>
+          </p:nvSpPr>
+          <p:spPr>
+            <a:xfrm rot="16200000">
+              <a:off x="18634171" y="19313291"/>
+              <a:ext cx="2276739" cy="1247613"/>
             </a:xfrm>
-          </p:grpSpPr>
-          <p:sp>
-            <p:nvSpPr>
-              <p:cNvPr id="169" name="TextBox 168">
-                <a:extLst>
-                  <a:ext uri="{FF2B5EF4-FFF2-40B4-BE49-F238E27FC236}">
-                    <a16:creationId xmlns:a16="http://schemas.microsoft.com/office/drawing/2014/main" id="{49692D13-AEEA-4403-B0E7-8466B902D902}"/>
-                  </a:ext>
-                </a:extLst>
-              </p:cNvPr>
-              <p:cNvSpPr txBox="1"/>
-              <p:nvPr/>
-            </p:nvSpPr>
-            <p:spPr>
-              <a:xfrm>
-                <a:off x="1760215" y="14352093"/>
-                <a:ext cx="6401296" cy="523220"/>
-              </a:xfrm>
-              <a:prstGeom prst="rect">
-                <a:avLst/>
-              </a:prstGeom>
-              <a:noFill/>
-            </p:spPr>
-            <p:txBody>
-              <a:bodyPr wrap="square" rtlCol="0">
-                <a:spAutoFit/>
-              </a:bodyPr>
-              <a:lstStyle/>
-              <a:p>
-                <a:r>
-                  <a:rPr lang="ko-KR" altLang="en-US" sz="2800" dirty="0">
-                    <a:latin typeface="나눔스퀘어 Bold" panose="020B0600000101010101" pitchFamily="50" charset="-127"/>
-                    <a:ea typeface="나눔스퀘어 Bold" panose="020B0600000101010101" pitchFamily="50" charset="-127"/>
-                  </a:rPr>
-                  <a:t>시뮬레이션 차량 센서 데이터 추출 및 변환</a:t>
-                </a:r>
-                <a:endParaRPr lang="en-US" altLang="ko-KR" sz="2800" dirty="0">
+            <a:prstGeom prst="rightArrow">
+              <a:avLst/>
+            </a:prstGeom>
+          </p:spPr>
+          <p:style>
+            <a:lnRef idx="2">
+              <a:schemeClr val="accent1">
+                <a:shade val="50000"/>
+              </a:schemeClr>
+            </a:lnRef>
+            <a:fillRef idx="1">
+              <a:schemeClr val="accent1"/>
+            </a:fillRef>
+            <a:effectRef idx="0">
+              <a:schemeClr val="accent1"/>
+            </a:effectRef>
+            <a:fontRef idx="minor">
+              <a:schemeClr val="lt1"/>
+            </a:fontRef>
+          </p:style>
+          <p:txBody>
+            <a:bodyPr rtlCol="0" anchor="ctr"/>
+            <a:lstStyle/>
+            <a:p>
+              <a:pPr algn="ctr"/>
+              <a:r>
+                <a:rPr lang="ko-KR" altLang="en-US" sz="2800" dirty="0">
                   <a:latin typeface="나눔스퀘어 Bold" panose="020B0600000101010101" pitchFamily="50" charset="-127"/>
                   <a:ea typeface="나눔스퀘어 Bold" panose="020B0600000101010101" pitchFamily="50" charset="-127"/>
-                </a:endParaRPr>
-              </a:p>
-            </p:txBody>
-          </p:sp>
-          <p:pic>
-            <p:nvPicPr>
-              <p:cNvPr id="171" name="그림 170" descr="트럭, 버스, 엔진, 거리이(가) 표시된 사진&#10;&#10;자동 생성된 설명">
-                <a:extLst>
-                  <a:ext uri="{FF2B5EF4-FFF2-40B4-BE49-F238E27FC236}">
-                    <a16:creationId xmlns:a16="http://schemas.microsoft.com/office/drawing/2014/main" id="{F0064BB0-93B4-4936-907C-B6F206C800B5}"/>
-                  </a:ext>
-                </a:extLst>
-              </p:cNvPr>
-              <p:cNvPicPr>
-                <a:picLocks noChangeAspect="1"/>
-              </p:cNvPicPr>
-              <p:nvPr/>
-            </p:nvPicPr>
-            <p:blipFill rotWithShape="1">
-              <a:blip r:embed="rId13" cstate="print">
-                <a:extLst>
-                  <a:ext uri="{28A0092B-C50C-407E-A947-70E740481C1C}">
-                    <a14:useLocalDpi xmlns:a14="http://schemas.microsoft.com/office/drawing/2010/main" val="0"/>
-                  </a:ext>
-                </a:extLst>
-              </a:blip>
-              <a:srcRect r="38047"/>
-              <a:stretch/>
-            </p:blipFill>
-            <p:spPr>
-              <a:xfrm>
-                <a:off x="1040669" y="14920334"/>
-                <a:ext cx="2045431" cy="1857140"/>
-              </a:xfrm>
-              <a:prstGeom prst="rect">
-                <a:avLst/>
-              </a:prstGeom>
-            </p:spPr>
-          </p:pic>
-          <p:pic>
-            <p:nvPicPr>
-              <p:cNvPr id="173" name="그림 172" descr="스크린샷이(가) 표시된 사진&#10;&#10;자동 생성된 설명">
-                <a:extLst>
-                  <a:ext uri="{FF2B5EF4-FFF2-40B4-BE49-F238E27FC236}">
-                    <a16:creationId xmlns:a16="http://schemas.microsoft.com/office/drawing/2014/main" id="{77ADE7C6-E92B-4228-8386-01C22980DE01}"/>
-                  </a:ext>
-                </a:extLst>
-              </p:cNvPr>
-              <p:cNvPicPr>
-                <a:picLocks noChangeAspect="1"/>
-              </p:cNvPicPr>
-              <p:nvPr/>
-            </p:nvPicPr>
-            <p:blipFill>
-              <a:blip r:embed="rId14" cstate="print">
-                <a:extLst>
-                  <a:ext uri="{28A0092B-C50C-407E-A947-70E740481C1C}">
-                    <a14:useLocalDpi xmlns:a14="http://schemas.microsoft.com/office/drawing/2010/main" val="0"/>
-                  </a:ext>
-                </a:extLst>
-              </a:blip>
-              <a:stretch>
-                <a:fillRect/>
-              </a:stretch>
-            </p:blipFill>
-            <p:spPr>
-              <a:xfrm>
-                <a:off x="6762092" y="14959092"/>
-                <a:ext cx="2240237" cy="1865979"/>
-              </a:xfrm>
-              <a:prstGeom prst="rect">
-                <a:avLst/>
-              </a:prstGeom>
-            </p:spPr>
-          </p:pic>
-          <p:sp>
-            <p:nvSpPr>
-              <p:cNvPr id="175" name="TextBox 174">
-                <a:extLst>
-                  <a:ext uri="{FF2B5EF4-FFF2-40B4-BE49-F238E27FC236}">
-                    <a16:creationId xmlns:a16="http://schemas.microsoft.com/office/drawing/2014/main" id="{1EB2729B-DF27-42F1-BCC8-4A830478582A}"/>
-                  </a:ext>
-                </a:extLst>
-              </p:cNvPr>
-              <p:cNvSpPr txBox="1"/>
-              <p:nvPr/>
-            </p:nvSpPr>
-            <p:spPr>
-              <a:xfrm>
-                <a:off x="10251744" y="14360200"/>
-                <a:ext cx="4689703" cy="523220"/>
-              </a:xfrm>
-              <a:prstGeom prst="rect">
-                <a:avLst/>
-              </a:prstGeom>
-              <a:noFill/>
-            </p:spPr>
-            <p:txBody>
-              <a:bodyPr wrap="square" rtlCol="0">
-                <a:spAutoFit/>
-              </a:bodyPr>
-              <a:lstStyle/>
-              <a:p>
-                <a:r>
-                  <a:rPr lang="en-US" altLang="ko-KR" sz="2800" dirty="0">
-                    <a:latin typeface="나눔스퀘어 Bold" panose="020B0600000101010101" pitchFamily="50" charset="-127"/>
-                    <a:ea typeface="나눔스퀘어 Bold" panose="020B0600000101010101" pitchFamily="50" charset="-127"/>
-                  </a:rPr>
-                  <a:t>CNN </a:t>
-                </a:r>
-                <a:r>
-                  <a:rPr lang="ko-KR" altLang="en-US" sz="2800" dirty="0">
-                    <a:latin typeface="나눔스퀘어 Bold" panose="020B0600000101010101" pitchFamily="50" charset="-127"/>
-                    <a:ea typeface="나눔스퀘어 Bold" panose="020B0600000101010101" pitchFamily="50" charset="-127"/>
-                  </a:rPr>
-                  <a:t>기반 딥러닝 모델</a:t>
-                </a:r>
-                <a:endParaRPr lang="en-US" altLang="ko-KR" sz="2800" dirty="0">
-                  <a:latin typeface="나눔스퀘어 Bold" panose="020B0600000101010101" pitchFamily="50" charset="-127"/>
-                  <a:ea typeface="나눔스퀘어 Bold" panose="020B0600000101010101" pitchFamily="50" charset="-127"/>
-                </a:endParaRPr>
-              </a:p>
-            </p:txBody>
-          </p:sp>
-          <p:pic>
-            <p:nvPicPr>
-              <p:cNvPr id="185" name="그림 184" descr="텍스트, 지도이(가) 표시된 사진&#10;&#10;자동 생성된 설명">
-                <a:extLst>
-                  <a:ext uri="{FF2B5EF4-FFF2-40B4-BE49-F238E27FC236}">
-                    <a16:creationId xmlns:a16="http://schemas.microsoft.com/office/drawing/2014/main" id="{8415C1CC-6FA6-411C-B5C6-DEDA777F3907}"/>
-                  </a:ext>
-                </a:extLst>
-              </p:cNvPr>
-              <p:cNvPicPr>
-                <a:picLocks noChangeAspect="1"/>
-              </p:cNvPicPr>
-              <p:nvPr/>
-            </p:nvPicPr>
-            <p:blipFill>
-              <a:blip r:embed="rId15">
-                <a:extLst>
-                  <a:ext uri="{28A0092B-C50C-407E-A947-70E740481C1C}">
-                    <a14:useLocalDpi xmlns:a14="http://schemas.microsoft.com/office/drawing/2010/main" val="0"/>
-                  </a:ext>
-                </a:extLst>
-              </a:blip>
-              <a:stretch>
-                <a:fillRect/>
-              </a:stretch>
-            </p:blipFill>
-            <p:spPr>
-              <a:xfrm>
-                <a:off x="10310992" y="15769287"/>
-                <a:ext cx="9129858" cy="2632899"/>
-              </a:xfrm>
-              <a:prstGeom prst="rect">
-                <a:avLst/>
-              </a:prstGeom>
-            </p:spPr>
-          </p:pic>
-          <p:sp>
-            <p:nvSpPr>
-              <p:cNvPr id="187" name="TextBox 186">
-                <a:extLst>
-                  <a:ext uri="{FF2B5EF4-FFF2-40B4-BE49-F238E27FC236}">
-                    <a16:creationId xmlns:a16="http://schemas.microsoft.com/office/drawing/2014/main" id="{BD097F87-B56E-4DFE-BB13-737D0B17F4FA}"/>
-                  </a:ext>
-                </a:extLst>
-              </p:cNvPr>
-              <p:cNvSpPr txBox="1"/>
-              <p:nvPr/>
-            </p:nvSpPr>
-            <p:spPr>
-              <a:xfrm>
-                <a:off x="2235304" y="17085695"/>
-                <a:ext cx="3372117" cy="523220"/>
-              </a:xfrm>
-              <a:prstGeom prst="rect">
-                <a:avLst/>
-              </a:prstGeom>
-              <a:noFill/>
-            </p:spPr>
-            <p:txBody>
-              <a:bodyPr wrap="square" rtlCol="0">
-                <a:spAutoFit/>
-              </a:bodyPr>
-              <a:lstStyle/>
-              <a:p>
-                <a:r>
-                  <a:rPr lang="ko-KR" altLang="en-US" sz="2800" dirty="0">
-                    <a:latin typeface="나눔스퀘어 Bold" panose="020B0600000101010101" pitchFamily="50" charset="-127"/>
-                    <a:ea typeface="나눔스퀘어 Bold" panose="020B0600000101010101" pitchFamily="50" charset="-127"/>
-                  </a:rPr>
-                  <a:t>실제 차량 센서 데이터</a:t>
-                </a:r>
-                <a:endParaRPr lang="en-US" altLang="ko-KR" sz="2800" dirty="0">
-                  <a:latin typeface="나눔스퀘어 Bold" panose="020B0600000101010101" pitchFamily="50" charset="-127"/>
-                  <a:ea typeface="나눔스퀘어 Bold" panose="020B0600000101010101" pitchFamily="50" charset="-127"/>
-                </a:endParaRPr>
-              </a:p>
-            </p:txBody>
-          </p:sp>
-          <p:pic>
-            <p:nvPicPr>
-              <p:cNvPr id="189" name="그림 188" descr="자동차, 주차, 갈색, 파란색이(가) 표시된 사진&#10;&#10;자동 생성된 설명">
-                <a:extLst>
-                  <a:ext uri="{FF2B5EF4-FFF2-40B4-BE49-F238E27FC236}">
-                    <a16:creationId xmlns:a16="http://schemas.microsoft.com/office/drawing/2014/main" id="{7300E14C-9960-47B0-8B0C-90E02C25DA7E}"/>
-                  </a:ext>
-                </a:extLst>
-              </p:cNvPr>
-              <p:cNvPicPr>
-                <a:picLocks noChangeAspect="1"/>
-              </p:cNvPicPr>
-              <p:nvPr/>
-            </p:nvPicPr>
-            <p:blipFill>
-              <a:blip r:embed="rId16" cstate="print">
-                <a:extLst>
-                  <a:ext uri="{28A0092B-C50C-407E-A947-70E740481C1C}">
-                    <a14:useLocalDpi xmlns:a14="http://schemas.microsoft.com/office/drawing/2010/main" val="0"/>
-                  </a:ext>
-                </a:extLst>
-              </a:blip>
-              <a:stretch>
-                <a:fillRect/>
-              </a:stretch>
-            </p:blipFill>
-            <p:spPr>
-              <a:xfrm>
-                <a:off x="1291088" y="17556334"/>
-                <a:ext cx="3009876" cy="1750745"/>
-              </a:xfrm>
-              <a:prstGeom prst="rect">
-                <a:avLst/>
-              </a:prstGeom>
-            </p:spPr>
-          </p:pic>
-          <p:pic>
-            <p:nvPicPr>
-              <p:cNvPr id="193" name="그림 192" descr="텍스트이(가) 표시된 사진&#10;&#10;자동 생성된 설명">
-                <a:extLst>
-                  <a:ext uri="{FF2B5EF4-FFF2-40B4-BE49-F238E27FC236}">
-                    <a16:creationId xmlns:a16="http://schemas.microsoft.com/office/drawing/2014/main" id="{DFCA29B8-2793-45DB-9C2A-09A24A83A3C9}"/>
-                  </a:ext>
-                </a:extLst>
-              </p:cNvPr>
-              <p:cNvPicPr>
-                <a:picLocks noChangeAspect="1"/>
-              </p:cNvPicPr>
-              <p:nvPr/>
-            </p:nvPicPr>
-            <p:blipFill>
-              <a:blip r:embed="rId17" cstate="print">
-                <a:extLst>
-                  <a:ext uri="{28A0092B-C50C-407E-A947-70E740481C1C}">
-                    <a14:useLocalDpi xmlns:a14="http://schemas.microsoft.com/office/drawing/2010/main" val="0"/>
-                  </a:ext>
-                </a:extLst>
-              </a:blip>
-              <a:stretch>
-                <a:fillRect/>
-              </a:stretch>
-            </p:blipFill>
-            <p:spPr>
-              <a:xfrm>
-                <a:off x="5980463" y="17556334"/>
-                <a:ext cx="1801267" cy="1785814"/>
-              </a:xfrm>
-              <a:prstGeom prst="rect">
-                <a:avLst/>
-              </a:prstGeom>
-            </p:spPr>
-          </p:pic>
-          <p:sp>
-            <p:nvSpPr>
-              <p:cNvPr id="197" name="화살표: 오른쪽 196">
-                <a:extLst>
-                  <a:ext uri="{FF2B5EF4-FFF2-40B4-BE49-F238E27FC236}">
-                    <a16:creationId xmlns:a16="http://schemas.microsoft.com/office/drawing/2014/main" id="{F1F33468-B18C-48B9-8356-6FCB4F4CB2C1}"/>
-                  </a:ext>
-                </a:extLst>
-              </p:cNvPr>
-              <p:cNvSpPr/>
-              <p:nvPr/>
-            </p:nvSpPr>
-            <p:spPr>
-              <a:xfrm rot="20350670">
-                <a:off x="7794692" y="17114099"/>
-                <a:ext cx="2433362" cy="1247613"/>
-              </a:xfrm>
-              <a:prstGeom prst="rightArrow">
-                <a:avLst/>
-              </a:prstGeom>
-            </p:spPr>
-            <p:style>
-              <a:lnRef idx="2">
-                <a:schemeClr val="accent1">
-                  <a:shade val="50000"/>
-                </a:schemeClr>
-              </a:lnRef>
-              <a:fillRef idx="1">
-                <a:schemeClr val="accent1"/>
-              </a:fillRef>
-              <a:effectRef idx="0">
-                <a:schemeClr val="accent1"/>
-              </a:effectRef>
-              <a:fontRef idx="minor">
-                <a:schemeClr val="lt1"/>
-              </a:fontRef>
-            </p:style>
-            <p:txBody>
-              <a:bodyPr rtlCol="0" anchor="ctr"/>
-              <a:lstStyle/>
-              <a:p>
-                <a:pPr algn="ctr"/>
-                <a:r>
-                  <a:rPr lang="ko-KR" altLang="en-US" sz="2800" dirty="0">
-                    <a:latin typeface="나눔스퀘어 Bold" panose="020B0600000101010101" pitchFamily="50" charset="-127"/>
-                    <a:ea typeface="나눔스퀘어 Bold" panose="020B0600000101010101" pitchFamily="50" charset="-127"/>
-                  </a:rPr>
-                  <a:t>예측</a:t>
-                </a:r>
-                <a:endParaRPr lang="ko-KR" altLang="en-US" dirty="0">
-                  <a:latin typeface="나눔스퀘어 Bold" panose="020B0600000101010101" pitchFamily="50" charset="-127"/>
-                  <a:ea typeface="나눔스퀘어 Bold" panose="020B0600000101010101" pitchFamily="50" charset="-127"/>
-                </a:endParaRPr>
-              </a:p>
-            </p:txBody>
-          </p:sp>
-          <p:pic>
-            <p:nvPicPr>
-              <p:cNvPr id="7" name="그림 6" descr="건물, 창문, 벽돌이(가) 표시된 사진&#10;&#10;자동 생성된 설명">
-                <a:extLst>
-                  <a:ext uri="{FF2B5EF4-FFF2-40B4-BE49-F238E27FC236}">
-                    <a16:creationId xmlns:a16="http://schemas.microsoft.com/office/drawing/2014/main" id="{8C858E60-1EF6-47EC-8D19-FA5621AEA718}"/>
-                  </a:ext>
-                </a:extLst>
-              </p:cNvPr>
-              <p:cNvPicPr>
-                <a:picLocks noChangeAspect="1"/>
-              </p:cNvPicPr>
-              <p:nvPr/>
-            </p:nvPicPr>
-            <p:blipFill rotWithShape="1">
-              <a:blip r:embed="rId11">
-                <a:extLst>
-                  <a:ext uri="{28A0092B-C50C-407E-A947-70E740481C1C}">
-                    <a14:useLocalDpi xmlns:a14="http://schemas.microsoft.com/office/drawing/2010/main" val="0"/>
-                  </a:ext>
-                </a:extLst>
-              </a:blip>
-              <a:srcRect l="16644" t="14105" r="15500" b="15159"/>
-              <a:stretch/>
-            </p:blipFill>
-            <p:spPr>
-              <a:xfrm>
-                <a:off x="4153151" y="15134489"/>
-                <a:ext cx="1454270" cy="1515958"/>
-              </a:xfrm>
-              <a:prstGeom prst="rect">
-                <a:avLst/>
-              </a:prstGeom>
-            </p:spPr>
-          </p:pic>
-          <p:sp>
-            <p:nvSpPr>
-              <p:cNvPr id="9" name="화살표: 오른쪽 8">
-                <a:extLst>
-                  <a:ext uri="{FF2B5EF4-FFF2-40B4-BE49-F238E27FC236}">
-                    <a16:creationId xmlns:a16="http://schemas.microsoft.com/office/drawing/2014/main" id="{70F5B4C4-86BB-4983-87E8-B2528374717E}"/>
-                  </a:ext>
-                </a:extLst>
-              </p:cNvPr>
-              <p:cNvSpPr/>
-              <p:nvPr/>
-            </p:nvSpPr>
-            <p:spPr>
-              <a:xfrm>
-                <a:off x="5560745" y="15230056"/>
-                <a:ext cx="1158024" cy="1099374"/>
-              </a:xfrm>
-              <a:prstGeom prst="rightArrow">
-                <a:avLst/>
-              </a:prstGeom>
-            </p:spPr>
-            <p:style>
-              <a:lnRef idx="2">
-                <a:schemeClr val="accent1">
-                  <a:shade val="50000"/>
-                </a:schemeClr>
-              </a:lnRef>
-              <a:fillRef idx="1">
-                <a:schemeClr val="accent1"/>
-              </a:fillRef>
-              <a:effectRef idx="0">
-                <a:schemeClr val="accent1"/>
-              </a:effectRef>
-              <a:fontRef idx="minor">
-                <a:schemeClr val="lt1"/>
-              </a:fontRef>
-            </p:style>
-            <p:txBody>
-              <a:bodyPr rtlCol="0" anchor="ctr"/>
-              <a:lstStyle/>
-              <a:p>
-                <a:pPr algn="ctr"/>
-                <a:r>
-                  <a:rPr lang="ko-KR" altLang="en-US" sz="2800" dirty="0">
-                    <a:latin typeface="나눔스퀘어 Bold" panose="020B0600000101010101" pitchFamily="50" charset="-127"/>
-                    <a:ea typeface="나눔스퀘어 Bold" panose="020B0600000101010101" pitchFamily="50" charset="-127"/>
-                  </a:rPr>
-                  <a:t>변환</a:t>
-                </a:r>
-              </a:p>
-            </p:txBody>
-          </p:sp>
-          <p:sp>
-            <p:nvSpPr>
-              <p:cNvPr id="195" name="화살표: 오른쪽 194">
-                <a:extLst>
-                  <a:ext uri="{FF2B5EF4-FFF2-40B4-BE49-F238E27FC236}">
-                    <a16:creationId xmlns:a16="http://schemas.microsoft.com/office/drawing/2014/main" id="{8AB87243-5237-4603-A96F-8A6FEEB689EC}"/>
-                  </a:ext>
-                </a:extLst>
-              </p:cNvPr>
-              <p:cNvSpPr/>
-              <p:nvPr/>
-            </p:nvSpPr>
-            <p:spPr>
-              <a:xfrm>
-                <a:off x="3124200" y="15230056"/>
-                <a:ext cx="1158024" cy="1099374"/>
-              </a:xfrm>
-              <a:prstGeom prst="rightArrow">
-                <a:avLst/>
-              </a:prstGeom>
-            </p:spPr>
-            <p:style>
-              <a:lnRef idx="2">
-                <a:schemeClr val="accent1">
-                  <a:shade val="50000"/>
-                </a:schemeClr>
-              </a:lnRef>
-              <a:fillRef idx="1">
-                <a:schemeClr val="accent1"/>
-              </a:fillRef>
-              <a:effectRef idx="0">
-                <a:schemeClr val="accent1"/>
-              </a:effectRef>
-              <a:fontRef idx="minor">
-                <a:schemeClr val="lt1"/>
-              </a:fontRef>
-            </p:style>
-            <p:txBody>
-              <a:bodyPr rtlCol="0" anchor="ctr"/>
-              <a:lstStyle/>
-              <a:p>
-                <a:pPr algn="ctr"/>
-                <a:r>
-                  <a:rPr lang="ko-KR" altLang="en-US" sz="2800" dirty="0">
-                    <a:latin typeface="나눔스퀘어 Bold" panose="020B0600000101010101" pitchFamily="50" charset="-127"/>
-                    <a:ea typeface="나눔스퀘어 Bold" panose="020B0600000101010101" pitchFamily="50" charset="-127"/>
-                  </a:rPr>
-                  <a:t>추출</a:t>
-                </a:r>
-              </a:p>
-            </p:txBody>
-          </p:sp>
-          <p:sp>
-            <p:nvSpPr>
-              <p:cNvPr id="13" name="화살표: 오른쪽 12">
-                <a:extLst>
-                  <a:ext uri="{FF2B5EF4-FFF2-40B4-BE49-F238E27FC236}">
-                    <a16:creationId xmlns:a16="http://schemas.microsoft.com/office/drawing/2014/main" id="{0D1BE69C-3DA6-4D89-82E5-98EE9FEF5273}"/>
-                  </a:ext>
-                </a:extLst>
-              </p:cNvPr>
-              <p:cNvSpPr/>
-              <p:nvPr/>
-            </p:nvSpPr>
-            <p:spPr>
-              <a:xfrm rot="1538422">
-                <a:off x="9099475" y="15576274"/>
-                <a:ext cx="1253454" cy="1099374"/>
-              </a:xfrm>
-              <a:prstGeom prst="rightArrow">
-                <a:avLst/>
-              </a:prstGeom>
-            </p:spPr>
-            <p:style>
-              <a:lnRef idx="2">
-                <a:schemeClr val="accent1">
-                  <a:shade val="50000"/>
-                </a:schemeClr>
-              </a:lnRef>
-              <a:fillRef idx="1">
-                <a:schemeClr val="accent1"/>
-              </a:fillRef>
-              <a:effectRef idx="0">
-                <a:schemeClr val="accent1"/>
-              </a:effectRef>
-              <a:fontRef idx="minor">
-                <a:schemeClr val="lt1"/>
-              </a:fontRef>
-            </p:style>
-            <p:txBody>
-              <a:bodyPr rtlCol="0" anchor="ctr"/>
-              <a:lstStyle/>
-              <a:p>
-                <a:pPr algn="ctr"/>
-                <a:r>
-                  <a:rPr lang="ko-KR" altLang="en-US" sz="2800" dirty="0">
-                    <a:latin typeface="나눔스퀘어 Bold" panose="020B0600000101010101" pitchFamily="50" charset="-127"/>
-                    <a:ea typeface="나눔스퀘어 Bold" panose="020B0600000101010101" pitchFamily="50" charset="-127"/>
-                  </a:rPr>
-                  <a:t>학습</a:t>
-                </a:r>
-              </a:p>
-            </p:txBody>
-          </p:sp>
-        </p:grpSp>
-        <p:pic>
-          <p:nvPicPr>
-            <p:cNvPr id="46" name="그림 45" descr="오렌지, 앉아있는, 테이블, 표지판이(가) 표시된 사진&#10;&#10;자동 생성된 설명">
+                </a:rPr>
+                <a:t>결과</a:t>
+              </a:r>
+              <a:endParaRPr lang="ko-KR" altLang="en-US" dirty="0">
+                <a:latin typeface="나눔스퀘어 Bold" panose="020B0600000101010101" pitchFamily="50" charset="-127"/>
+                <a:ea typeface="나눔스퀘어 Bold" panose="020B0600000101010101" pitchFamily="50" charset="-127"/>
+              </a:endParaRPr>
+            </a:p>
+          </p:txBody>
+        </p:sp>
+        <p:sp>
+          <p:nvSpPr>
+            <p:cNvPr id="16" name="직사각형 15">
               <a:extLst>
                 <a:ext uri="{FF2B5EF4-FFF2-40B4-BE49-F238E27FC236}">
-                  <a16:creationId xmlns:a16="http://schemas.microsoft.com/office/drawing/2014/main" id="{F35866A0-570C-4C0A-9134-A037A7F36623}"/>
+                  <a16:creationId xmlns:a16="http://schemas.microsoft.com/office/drawing/2014/main" id="{27140AD6-6445-4665-89AE-A974415ED86F}"/>
                 </a:ext>
               </a:extLst>
             </p:cNvPr>
-            <p:cNvPicPr>
-              <a:picLocks noChangeAspect="1"/>
-            </p:cNvPicPr>
+            <p:cNvSpPr/>
             <p:nvPr/>
-          </p:nvPicPr>
-          <p:blipFill>
-            <a:blip r:embed="rId18">
-              <a:extLst>
-                <a:ext uri="{28A0092B-C50C-407E-A947-70E740481C1C}">
-                  <a14:useLocalDpi xmlns:a14="http://schemas.microsoft.com/office/drawing/2010/main" val="0"/>
-                </a:ext>
-              </a:extLst>
-            </a:blip>
-            <a:stretch>
-              <a:fillRect/>
-            </a:stretch>
-          </p:blipFill>
+          </p:nvSpPr>
           <p:spPr>
             <a:xfrm>
-              <a:off x="4105646" y="20970809"/>
-              <a:ext cx="1874817" cy="1687335"/>
+              <a:off x="18838798" y="20511861"/>
+              <a:ext cx="1247613" cy="566781"/>
             </a:xfrm>
             <a:prstGeom prst="rect">
               <a:avLst/>
             </a:prstGeom>
           </p:spPr>
-        </p:pic>
+          <p:style>
+            <a:lnRef idx="2">
+              <a:schemeClr val="accent1">
+                <a:shade val="50000"/>
+              </a:schemeClr>
+            </a:lnRef>
+            <a:fillRef idx="1">
+              <a:schemeClr val="accent1"/>
+            </a:fillRef>
+            <a:effectRef idx="0">
+              <a:schemeClr val="accent1"/>
+            </a:effectRef>
+            <a:fontRef idx="minor">
+              <a:schemeClr val="lt1"/>
+            </a:fontRef>
+          </p:style>
+          <p:txBody>
+            <a:bodyPr rtlCol="0" anchor="ctr"/>
+            <a:lstStyle/>
+            <a:p>
+              <a:pPr algn="ctr"/>
+              <a:endParaRPr lang="ko-KR" altLang="en-US"/>
+            </a:p>
+          </p:txBody>
+        </p:sp>
       </p:grpSp>
+      <p:pic>
+        <p:nvPicPr>
+          <p:cNvPr id="37" name="그림 36" descr="트럭, 버스, 엔진, 거리이(가) 표시된 사진&#10;&#10;자동 생성된 설명">
+            <a:extLst>
+              <a:ext uri="{FF2B5EF4-FFF2-40B4-BE49-F238E27FC236}">
+                <a16:creationId xmlns:a16="http://schemas.microsoft.com/office/drawing/2014/main" id="{AF853D96-4EB0-4C25-8B45-9C73C832B72A}"/>
+              </a:ext>
+            </a:extLst>
+          </p:cNvPr>
+          <p:cNvPicPr>
+            <a:picLocks noChangeAspect="1"/>
+          </p:cNvPicPr>
+          <p:nvPr/>
+        </p:nvPicPr>
+        <p:blipFill rotWithShape="1">
+          <a:blip r:embed="rId19" cstate="print">
+            <a:extLst>
+              <a:ext uri="{28A0092B-C50C-407E-A947-70E740481C1C}">
+                <a14:useLocalDpi xmlns:a14="http://schemas.microsoft.com/office/drawing/2010/main" val="0"/>
+              </a:ext>
+            </a:extLst>
+          </a:blip>
+          <a:srcRect r="38047"/>
+          <a:stretch/>
+        </p:blipFill>
+        <p:spPr>
+          <a:xfrm>
+            <a:off x="7228718" y="13252767"/>
+            <a:ext cx="1046602" cy="950258"/>
+          </a:xfrm>
+          <a:prstGeom prst="rect">
+            <a:avLst/>
+          </a:prstGeom>
+        </p:spPr>
+      </p:pic>
+      <p:sp>
+        <p:nvSpPr>
+          <p:cNvPr id="31" name="화살표: 오른쪽 30">
+            <a:extLst>
+              <a:ext uri="{FF2B5EF4-FFF2-40B4-BE49-F238E27FC236}">
+                <a16:creationId xmlns:a16="http://schemas.microsoft.com/office/drawing/2014/main" id="{046549E5-7B33-4601-99A5-5024D376B748}"/>
+              </a:ext>
+            </a:extLst>
+          </p:cNvPr>
+          <p:cNvSpPr/>
+          <p:nvPr/>
+        </p:nvSpPr>
+        <p:spPr>
+          <a:xfrm>
+            <a:off x="8577948" y="13294972"/>
+            <a:ext cx="795520" cy="552975"/>
+          </a:xfrm>
+          <a:prstGeom prst="rightArrow">
+            <a:avLst/>
+          </a:prstGeom>
+        </p:spPr>
+        <p:style>
+          <a:lnRef idx="2">
+            <a:schemeClr val="accent1">
+              <a:shade val="50000"/>
+            </a:schemeClr>
+          </a:lnRef>
+          <a:fillRef idx="1">
+            <a:schemeClr val="accent1"/>
+          </a:fillRef>
+          <a:effectRef idx="0">
+            <a:schemeClr val="accent1"/>
+          </a:effectRef>
+          <a:fontRef idx="minor">
+            <a:schemeClr val="lt1"/>
+          </a:fontRef>
+        </p:style>
+        <p:txBody>
+          <a:bodyPr rtlCol="0" anchor="ctr"/>
+          <a:lstStyle/>
+          <a:p>
+            <a:pPr algn="ctr"/>
+            <a:endParaRPr lang="ko-KR" altLang="en-US"/>
+          </a:p>
+        </p:txBody>
+      </p:sp>
+      <p:sp>
+        <p:nvSpPr>
+          <p:cNvPr id="32" name="직사각형 31">
+            <a:extLst>
+              <a:ext uri="{FF2B5EF4-FFF2-40B4-BE49-F238E27FC236}">
+                <a16:creationId xmlns:a16="http://schemas.microsoft.com/office/drawing/2014/main" id="{FC35F9E8-CF26-4669-80D7-BB6BA329C2D5}"/>
+              </a:ext>
+            </a:extLst>
+          </p:cNvPr>
+          <p:cNvSpPr/>
+          <p:nvPr/>
+        </p:nvSpPr>
+        <p:spPr>
+          <a:xfrm>
+            <a:off x="9578848" y="17090267"/>
+            <a:ext cx="1426648" cy="566781"/>
+          </a:xfrm>
+          <a:prstGeom prst="rect">
+            <a:avLst/>
+          </a:prstGeom>
+        </p:spPr>
+        <p:style>
+          <a:lnRef idx="2">
+            <a:schemeClr val="accent1">
+              <a:shade val="50000"/>
+            </a:schemeClr>
+          </a:lnRef>
+          <a:fillRef idx="1">
+            <a:schemeClr val="accent1"/>
+          </a:fillRef>
+          <a:effectRef idx="0">
+            <a:schemeClr val="accent1"/>
+          </a:effectRef>
+          <a:fontRef idx="minor">
+            <a:schemeClr val="lt1"/>
+          </a:fontRef>
+        </p:style>
+        <p:txBody>
+          <a:bodyPr rtlCol="0" anchor="ctr"/>
+          <a:lstStyle/>
+          <a:p>
+            <a:pPr algn="ctr"/>
+            <a:endParaRPr lang="ko-KR" altLang="en-US"/>
+          </a:p>
+        </p:txBody>
+      </p:sp>
     </p:spTree>
     <p:extLst>
       <p:ext uri="{BB962C8B-B14F-4D97-AF65-F5344CB8AC3E}">
